--- a/hw1_opencv/Hw1_openCV.pptx
+++ b/hw1_opencv/Hw1_openCV.pptx
@@ -117,6 +117,11 @@
       </a:defRPr>
     </a:lvl9pPr>
   </p:defaultTextStyle>
+  <p:extLst>
+    <p:ext uri="{EFAFB233-063F-42B5-8137-9DF3F51BA10A}">
+      <p15:sldGuideLst xmlns:p15="http://schemas.microsoft.com/office/powerpoint/2012/main"/>
+    </p:ext>
+  </p:extLst>
 </p:presentation>
 </file>
 
@@ -251,7 +256,7 @@
           <a:p>
             <a:fld id="{CB1A9A4B-8109-4FCA-A4B8-DC1246F1A173}" type="datetimeFigureOut">
               <a:rPr lang="zh-TW" altLang="en-US" smtClean="0"/>
-              <a:t>2021/3/4</a:t>
+              <a:t>2021/3/5</a:t>
             </a:fld>
             <a:endParaRPr lang="zh-TW" altLang="en-US"/>
           </a:p>
@@ -421,7 +426,7 @@
           <a:p>
             <a:fld id="{CB1A9A4B-8109-4FCA-A4B8-DC1246F1A173}" type="datetimeFigureOut">
               <a:rPr lang="zh-TW" altLang="en-US" smtClean="0"/>
-              <a:t>2021/3/4</a:t>
+              <a:t>2021/3/5</a:t>
             </a:fld>
             <a:endParaRPr lang="zh-TW" altLang="en-US"/>
           </a:p>
@@ -601,7 +606,7 @@
           <a:p>
             <a:fld id="{CB1A9A4B-8109-4FCA-A4B8-DC1246F1A173}" type="datetimeFigureOut">
               <a:rPr lang="zh-TW" altLang="en-US" smtClean="0"/>
-              <a:t>2021/3/4</a:t>
+              <a:t>2021/3/5</a:t>
             </a:fld>
             <a:endParaRPr lang="zh-TW" altLang="en-US"/>
           </a:p>
@@ -771,7 +776,7 @@
           <a:p>
             <a:fld id="{CB1A9A4B-8109-4FCA-A4B8-DC1246F1A173}" type="datetimeFigureOut">
               <a:rPr lang="zh-TW" altLang="en-US" smtClean="0"/>
-              <a:t>2021/3/4</a:t>
+              <a:t>2021/3/5</a:t>
             </a:fld>
             <a:endParaRPr lang="zh-TW" altLang="en-US"/>
           </a:p>
@@ -1017,7 +1022,7 @@
           <a:p>
             <a:fld id="{CB1A9A4B-8109-4FCA-A4B8-DC1246F1A173}" type="datetimeFigureOut">
               <a:rPr lang="zh-TW" altLang="en-US" smtClean="0"/>
-              <a:t>2021/3/4</a:t>
+              <a:t>2021/3/5</a:t>
             </a:fld>
             <a:endParaRPr lang="zh-TW" altLang="en-US"/>
           </a:p>
@@ -1249,7 +1254,7 @@
           <a:p>
             <a:fld id="{CB1A9A4B-8109-4FCA-A4B8-DC1246F1A173}" type="datetimeFigureOut">
               <a:rPr lang="zh-TW" altLang="en-US" smtClean="0"/>
-              <a:t>2021/3/4</a:t>
+              <a:t>2021/3/5</a:t>
             </a:fld>
             <a:endParaRPr lang="zh-TW" altLang="en-US"/>
           </a:p>
@@ -1616,7 +1621,7 @@
           <a:p>
             <a:fld id="{CB1A9A4B-8109-4FCA-A4B8-DC1246F1A173}" type="datetimeFigureOut">
               <a:rPr lang="zh-TW" altLang="en-US" smtClean="0"/>
-              <a:t>2021/3/4</a:t>
+              <a:t>2021/3/5</a:t>
             </a:fld>
             <a:endParaRPr lang="zh-TW" altLang="en-US"/>
           </a:p>
@@ -1734,7 +1739,7 @@
           <a:p>
             <a:fld id="{CB1A9A4B-8109-4FCA-A4B8-DC1246F1A173}" type="datetimeFigureOut">
               <a:rPr lang="zh-TW" altLang="en-US" smtClean="0"/>
-              <a:t>2021/3/4</a:t>
+              <a:t>2021/3/5</a:t>
             </a:fld>
             <a:endParaRPr lang="zh-TW" altLang="en-US"/>
           </a:p>
@@ -1829,7 +1834,7 @@
           <a:p>
             <a:fld id="{CB1A9A4B-8109-4FCA-A4B8-DC1246F1A173}" type="datetimeFigureOut">
               <a:rPr lang="zh-TW" altLang="en-US" smtClean="0"/>
-              <a:t>2021/3/4</a:t>
+              <a:t>2021/3/5</a:t>
             </a:fld>
             <a:endParaRPr lang="zh-TW" altLang="en-US"/>
           </a:p>
@@ -2106,7 +2111,7 @@
           <a:p>
             <a:fld id="{CB1A9A4B-8109-4FCA-A4B8-DC1246F1A173}" type="datetimeFigureOut">
               <a:rPr lang="zh-TW" altLang="en-US" smtClean="0"/>
-              <a:t>2021/3/4</a:t>
+              <a:t>2021/3/5</a:t>
             </a:fld>
             <a:endParaRPr lang="zh-TW" altLang="en-US"/>
           </a:p>
@@ -2359,7 +2364,7 @@
           <a:p>
             <a:fld id="{CB1A9A4B-8109-4FCA-A4B8-DC1246F1A173}" type="datetimeFigureOut">
               <a:rPr lang="zh-TW" altLang="en-US" smtClean="0"/>
-              <a:t>2021/3/4</a:t>
+              <a:t>2021/3/5</a:t>
             </a:fld>
             <a:endParaRPr lang="zh-TW" altLang="en-US"/>
           </a:p>
@@ -2572,7 +2577,7 @@
           <a:p>
             <a:fld id="{CB1A9A4B-8109-4FCA-A4B8-DC1246F1A173}" type="datetimeFigureOut">
               <a:rPr lang="zh-TW" altLang="en-US" smtClean="0"/>
-              <a:t>2021/3/4</a:t>
+              <a:t>2021/3/5</a:t>
             </a:fld>
             <a:endParaRPr lang="zh-TW" altLang="en-US"/>
           </a:p>
@@ -3266,16 +3271,40 @@
               <a:buNone/>
             </a:pPr>
             <a:r>
-              <a:rPr lang="en-US" altLang="zh-TW" dirty="0"/>
-              <a:t>import </a:t>
-            </a:r>
-            <a:r>
-              <a:rPr lang="en-US" altLang="zh-TW" dirty="0" err="1"/>
-              <a:t>numpy</a:t>
-            </a:r>
-            <a:r>
-              <a:rPr lang="en-US" altLang="zh-TW" dirty="0"/>
-              <a:t> as np</a:t>
+              <a:rPr lang="en-US" altLang="zh-TW" dirty="0" err="1">
+                <a:solidFill>
+                  <a:srgbClr val="000000"/>
+                </a:solidFill>
+                <a:latin typeface="Consolas" panose="020B0609020204030204" pitchFamily="49" charset="0"/>
+              </a:rPr>
+              <a:t>img</a:t>
+            </a:r>
+            <a:r>
+              <a:rPr lang="en-US" altLang="zh-TW" dirty="0">
+                <a:solidFill>
+                  <a:srgbClr val="000000"/>
+                </a:solidFill>
+                <a:latin typeface="Consolas" panose="020B0609020204030204" pitchFamily="49" charset="0"/>
+              </a:rPr>
+              <a:t> = cv2.imread(</a:t>
+            </a:r>
+            <a:r>
+              <a:rPr lang="en-US" altLang="zh-TW" dirty="0">
+                <a:solidFill>
+                  <a:srgbClr val="A31515"/>
+                </a:solidFill>
+                <a:latin typeface="Consolas" panose="020B0609020204030204" pitchFamily="49" charset="0"/>
+              </a:rPr>
+              <a:t>"./cat.jpg"</a:t>
+            </a:r>
+            <a:r>
+              <a:rPr lang="en-US" altLang="zh-TW" dirty="0">
+                <a:solidFill>
+                  <a:srgbClr val="000000"/>
+                </a:solidFill>
+                <a:latin typeface="Consolas" panose="020B0609020204030204" pitchFamily="49" charset="0"/>
+              </a:rPr>
+              <a:t>)</a:t>
             </a:r>
           </a:p>
           <a:p>
@@ -3283,36 +3312,227 @@
               <a:buNone/>
             </a:pPr>
             <a:r>
-              <a:rPr lang="en-US" altLang="zh-TW" dirty="0"/>
-              <a:t>import cv2</a:t>
+              <a:rPr lang="en-US" altLang="zh-TW" dirty="0" err="1">
+                <a:solidFill>
+                  <a:srgbClr val="000000"/>
+                </a:solidFill>
+                <a:latin typeface="Consolas" panose="020B0609020204030204" pitchFamily="49" charset="0"/>
+              </a:rPr>
+              <a:t>img</a:t>
+            </a:r>
+            <a:r>
+              <a:rPr lang="en-US" altLang="zh-TW" dirty="0">
+                <a:solidFill>
+                  <a:srgbClr val="000000"/>
+                </a:solidFill>
+                <a:latin typeface="Consolas" panose="020B0609020204030204" pitchFamily="49" charset="0"/>
+              </a:rPr>
+              <a:t> = cv2.cvtColor(</a:t>
+            </a:r>
+            <a:r>
+              <a:rPr lang="en-US" altLang="zh-TW" dirty="0" err="1">
+                <a:solidFill>
+                  <a:srgbClr val="000000"/>
+                </a:solidFill>
+                <a:latin typeface="Consolas" panose="020B0609020204030204" pitchFamily="49" charset="0"/>
+              </a:rPr>
+              <a:t>img</a:t>
+            </a:r>
+            <a:r>
+              <a:rPr lang="en-US" altLang="zh-TW" dirty="0">
+                <a:solidFill>
+                  <a:srgbClr val="000000"/>
+                </a:solidFill>
+                <a:latin typeface="Consolas" panose="020B0609020204030204" pitchFamily="49" charset="0"/>
+              </a:rPr>
+              <a:t>, cv2.COLOR_BGR2HSV)</a:t>
             </a:r>
           </a:p>
           <a:p>
             <a:pPr marL="0" indent="0">
               <a:buNone/>
             </a:pPr>
-            <a:r>
-              <a:rPr lang="en-US" altLang="zh-TW" dirty="0"/>
-              <a:t/>
-            </a:r>
-            <a:br>
-              <a:rPr lang="en-US" altLang="zh-TW" dirty="0"/>
-            </a:br>
-            <a:r>
-              <a:rPr lang="en-US" altLang="zh-TW" dirty="0" err="1"/>
+            <a:endParaRPr lang="en-US" altLang="zh-TW" dirty="0" smtClean="0">
+              <a:solidFill>
+                <a:srgbClr val="D4D4D4"/>
+              </a:solidFill>
+              <a:latin typeface="Consolas" panose="020B0609020204030204" pitchFamily="49" charset="0"/>
+            </a:endParaRPr>
+          </a:p>
+          <a:p>
+            <a:pPr marL="0" indent="0">
+              <a:buNone/>
+            </a:pPr>
+            <a:r>
+              <a:rPr lang="en-US" altLang="zh-TW" dirty="0">
+                <a:solidFill>
+                  <a:srgbClr val="000000"/>
+                </a:solidFill>
+                <a:latin typeface="Consolas" panose="020B0609020204030204" pitchFamily="49" charset="0"/>
+              </a:rPr>
+              <a:t>cv2.circle(</a:t>
+            </a:r>
+            <a:r>
+              <a:rPr lang="en-US" altLang="zh-TW" dirty="0" err="1">
+                <a:solidFill>
+                  <a:srgbClr val="000000"/>
+                </a:solidFill>
+                <a:latin typeface="Consolas" panose="020B0609020204030204" pitchFamily="49" charset="0"/>
+              </a:rPr>
               <a:t>img</a:t>
             </a:r>
             <a:r>
-              <a:rPr lang="en-US" altLang="zh-TW" dirty="0"/>
-              <a:t> = </a:t>
-            </a:r>
-            <a:r>
-              <a:rPr lang="en-US" altLang="zh-TW" dirty="0" err="1"/>
-              <a:t>np.zeros</a:t>
-            </a:r>
-            <a:r>
-              <a:rPr lang="en-US" altLang="zh-TW" dirty="0"/>
-              <a:t>((400, 400, 3), np.uint8)</a:t>
+              <a:rPr lang="en-US" altLang="zh-TW" dirty="0">
+                <a:solidFill>
+                  <a:srgbClr val="000000"/>
+                </a:solidFill>
+                <a:latin typeface="Consolas" panose="020B0609020204030204" pitchFamily="49" charset="0"/>
+              </a:rPr>
+              <a:t>, (</a:t>
+            </a:r>
+            <a:r>
+              <a:rPr lang="en-US" altLang="zh-TW" dirty="0">
+                <a:solidFill>
+                  <a:srgbClr val="098658"/>
+                </a:solidFill>
+                <a:latin typeface="Consolas" panose="020B0609020204030204" pitchFamily="49" charset="0"/>
+              </a:rPr>
+              <a:t>300</a:t>
+            </a:r>
+            <a:r>
+              <a:rPr lang="en-US" altLang="zh-TW" dirty="0">
+                <a:solidFill>
+                  <a:srgbClr val="000000"/>
+                </a:solidFill>
+                <a:latin typeface="Consolas" panose="020B0609020204030204" pitchFamily="49" charset="0"/>
+              </a:rPr>
+              <a:t>, </a:t>
+            </a:r>
+            <a:r>
+              <a:rPr lang="en-US" altLang="zh-TW" dirty="0">
+                <a:solidFill>
+                  <a:srgbClr val="098658"/>
+                </a:solidFill>
+                <a:latin typeface="Consolas" panose="020B0609020204030204" pitchFamily="49" charset="0"/>
+              </a:rPr>
+              <a:t>300</a:t>
+            </a:r>
+            <a:r>
+              <a:rPr lang="en-US" altLang="zh-TW" dirty="0">
+                <a:solidFill>
+                  <a:srgbClr val="000000"/>
+                </a:solidFill>
+                <a:latin typeface="Consolas" panose="020B0609020204030204" pitchFamily="49" charset="0"/>
+              </a:rPr>
+              <a:t>), </a:t>
+            </a:r>
+            <a:r>
+              <a:rPr lang="en-US" altLang="zh-TW" dirty="0">
+                <a:solidFill>
+                  <a:srgbClr val="098658"/>
+                </a:solidFill>
+                <a:latin typeface="Consolas" panose="020B0609020204030204" pitchFamily="49" charset="0"/>
+              </a:rPr>
+              <a:t>30</a:t>
+            </a:r>
+            <a:r>
+              <a:rPr lang="en-US" altLang="zh-TW" dirty="0">
+                <a:solidFill>
+                  <a:srgbClr val="000000"/>
+                </a:solidFill>
+                <a:latin typeface="Consolas" panose="020B0609020204030204" pitchFamily="49" charset="0"/>
+              </a:rPr>
+              <a:t>, (</a:t>
+            </a:r>
+            <a:r>
+              <a:rPr lang="en-US" altLang="zh-TW" dirty="0">
+                <a:solidFill>
+                  <a:srgbClr val="098658"/>
+                </a:solidFill>
+                <a:latin typeface="Consolas" panose="020B0609020204030204" pitchFamily="49" charset="0"/>
+              </a:rPr>
+              <a:t>255</a:t>
+            </a:r>
+            <a:r>
+              <a:rPr lang="en-US" altLang="zh-TW" dirty="0">
+                <a:solidFill>
+                  <a:srgbClr val="000000"/>
+                </a:solidFill>
+                <a:latin typeface="Consolas" panose="020B0609020204030204" pitchFamily="49" charset="0"/>
+              </a:rPr>
+              <a:t>, </a:t>
+            </a:r>
+            <a:r>
+              <a:rPr lang="en-US" altLang="zh-TW" dirty="0">
+                <a:solidFill>
+                  <a:srgbClr val="098658"/>
+                </a:solidFill>
+                <a:latin typeface="Consolas" panose="020B0609020204030204" pitchFamily="49" charset="0"/>
+              </a:rPr>
+              <a:t>0</a:t>
+            </a:r>
+            <a:r>
+              <a:rPr lang="en-US" altLang="zh-TW" dirty="0">
+                <a:solidFill>
+                  <a:srgbClr val="000000"/>
+                </a:solidFill>
+                <a:latin typeface="Consolas" panose="020B0609020204030204" pitchFamily="49" charset="0"/>
+              </a:rPr>
+              <a:t>, </a:t>
+            </a:r>
+            <a:r>
+              <a:rPr lang="en-US" altLang="zh-TW" dirty="0">
+                <a:solidFill>
+                  <a:srgbClr val="098658"/>
+                </a:solidFill>
+                <a:latin typeface="Consolas" panose="020B0609020204030204" pitchFamily="49" charset="0"/>
+              </a:rPr>
+              <a:t>255</a:t>
+            </a:r>
+            <a:r>
+              <a:rPr lang="en-US" altLang="zh-TW" dirty="0">
+                <a:solidFill>
+                  <a:srgbClr val="000000"/>
+                </a:solidFill>
+                <a:latin typeface="Consolas" panose="020B0609020204030204" pitchFamily="49" charset="0"/>
+              </a:rPr>
+              <a:t>), </a:t>
+            </a:r>
+            <a:r>
+              <a:rPr lang="en-US" altLang="zh-TW" dirty="0">
+                <a:solidFill>
+                  <a:srgbClr val="098658"/>
+                </a:solidFill>
+                <a:latin typeface="Consolas" panose="020B0609020204030204" pitchFamily="49" charset="0"/>
+              </a:rPr>
+              <a:t>3</a:t>
+            </a:r>
+            <a:r>
+              <a:rPr lang="en-US" altLang="zh-TW" dirty="0">
+                <a:solidFill>
+                  <a:srgbClr val="000000"/>
+                </a:solidFill>
+                <a:latin typeface="Consolas" panose="020B0609020204030204" pitchFamily="49" charset="0"/>
+              </a:rPr>
+              <a:t>, </a:t>
+            </a:r>
+            <a:r>
+              <a:rPr lang="en-US" altLang="zh-TW" dirty="0">
+                <a:solidFill>
+                  <a:srgbClr val="098658"/>
+                </a:solidFill>
+                <a:latin typeface="Consolas" panose="020B0609020204030204" pitchFamily="49" charset="0"/>
+              </a:rPr>
+              <a:t>1</a:t>
+            </a:r>
+            <a:r>
+              <a:rPr lang="en-US" altLang="zh-TW" dirty="0">
+                <a:solidFill>
+                  <a:srgbClr val="000000"/>
+                </a:solidFill>
+                <a:latin typeface="Consolas" panose="020B0609020204030204" pitchFamily="49" charset="0"/>
+              </a:rPr>
+              <a:t>)</a:t>
             </a:r>
           </a:p>
           <a:p>
@@ -3320,12 +3540,175 @@
               <a:buNone/>
             </a:pPr>
             <a:r>
-              <a:rPr lang="en-US" altLang="zh-TW" dirty="0" err="1"/>
-              <a:t>img.fill</a:t>
-            </a:r>
-            <a:r>
-              <a:rPr lang="en-US" altLang="zh-TW" dirty="0"/>
-              <a:t>(200)</a:t>
+              <a:rPr lang="en-US" altLang="zh-TW" dirty="0">
+                <a:solidFill>
+                  <a:srgbClr val="000000"/>
+                </a:solidFill>
+                <a:latin typeface="Consolas" panose="020B0609020204030204" pitchFamily="49" charset="0"/>
+              </a:rPr>
+              <a:t>cv2.line(</a:t>
+            </a:r>
+            <a:r>
+              <a:rPr lang="en-US" altLang="zh-TW" dirty="0" err="1">
+                <a:solidFill>
+                  <a:srgbClr val="000000"/>
+                </a:solidFill>
+                <a:latin typeface="Consolas" panose="020B0609020204030204" pitchFamily="49" charset="0"/>
+              </a:rPr>
+              <a:t>img</a:t>
+            </a:r>
+            <a:r>
+              <a:rPr lang="en-US" altLang="zh-TW" dirty="0">
+                <a:solidFill>
+                  <a:srgbClr val="000000"/>
+                </a:solidFill>
+                <a:latin typeface="Consolas" panose="020B0609020204030204" pitchFamily="49" charset="0"/>
+              </a:rPr>
+              <a:t>, (</a:t>
+            </a:r>
+            <a:r>
+              <a:rPr lang="en-US" altLang="zh-TW" dirty="0">
+                <a:solidFill>
+                  <a:srgbClr val="098658"/>
+                </a:solidFill>
+                <a:latin typeface="Consolas" panose="020B0609020204030204" pitchFamily="49" charset="0"/>
+              </a:rPr>
+              <a:t>300</a:t>
+            </a:r>
+            <a:r>
+              <a:rPr lang="en-US" altLang="zh-TW" dirty="0">
+                <a:solidFill>
+                  <a:srgbClr val="000000"/>
+                </a:solidFill>
+                <a:latin typeface="Consolas" panose="020B0609020204030204" pitchFamily="49" charset="0"/>
+              </a:rPr>
+              <a:t>, </a:t>
+            </a:r>
+            <a:r>
+              <a:rPr lang="en-US" altLang="zh-TW" dirty="0">
+                <a:solidFill>
+                  <a:srgbClr val="098658"/>
+                </a:solidFill>
+                <a:latin typeface="Consolas" panose="020B0609020204030204" pitchFamily="49" charset="0"/>
+              </a:rPr>
+              <a:t>70</a:t>
+            </a:r>
+            <a:r>
+              <a:rPr lang="en-US" altLang="zh-TW" dirty="0">
+                <a:solidFill>
+                  <a:srgbClr val="000000"/>
+                </a:solidFill>
+                <a:latin typeface="Consolas" panose="020B0609020204030204" pitchFamily="49" charset="0"/>
+              </a:rPr>
+              <a:t>), (</a:t>
+            </a:r>
+            <a:r>
+              <a:rPr lang="en-US" altLang="zh-TW" dirty="0">
+                <a:solidFill>
+                  <a:srgbClr val="098658"/>
+                </a:solidFill>
+                <a:latin typeface="Consolas" panose="020B0609020204030204" pitchFamily="49" charset="0"/>
+              </a:rPr>
+              <a:t>480</a:t>
+            </a:r>
+            <a:r>
+              <a:rPr lang="en-US" altLang="zh-TW" dirty="0">
+                <a:solidFill>
+                  <a:srgbClr val="000000"/>
+                </a:solidFill>
+                <a:latin typeface="Consolas" panose="020B0609020204030204" pitchFamily="49" charset="0"/>
+              </a:rPr>
+              <a:t>, </a:t>
+            </a:r>
+            <a:r>
+              <a:rPr lang="en-US" altLang="zh-TW" dirty="0">
+                <a:solidFill>
+                  <a:srgbClr val="098658"/>
+                </a:solidFill>
+                <a:latin typeface="Consolas" panose="020B0609020204030204" pitchFamily="49" charset="0"/>
+              </a:rPr>
+              <a:t>220</a:t>
+            </a:r>
+            <a:r>
+              <a:rPr lang="en-US" altLang="zh-TW" dirty="0">
+                <a:solidFill>
+                  <a:srgbClr val="000000"/>
+                </a:solidFill>
+                <a:latin typeface="Consolas" panose="020B0609020204030204" pitchFamily="49" charset="0"/>
+              </a:rPr>
+              <a:t>), (</a:t>
+            </a:r>
+            <a:r>
+              <a:rPr lang="en-US" altLang="zh-TW" dirty="0">
+                <a:solidFill>
+                  <a:srgbClr val="098658"/>
+                </a:solidFill>
+                <a:latin typeface="Consolas" panose="020B0609020204030204" pitchFamily="49" charset="0"/>
+              </a:rPr>
+              <a:t>0</a:t>
+            </a:r>
+            <a:r>
+              <a:rPr lang="en-US" altLang="zh-TW" dirty="0">
+                <a:solidFill>
+                  <a:srgbClr val="000000"/>
+                </a:solidFill>
+                <a:latin typeface="Consolas" panose="020B0609020204030204" pitchFamily="49" charset="0"/>
+              </a:rPr>
+              <a:t>, </a:t>
+            </a:r>
+            <a:r>
+              <a:rPr lang="en-US" altLang="zh-TW" dirty="0">
+                <a:solidFill>
+                  <a:srgbClr val="098658"/>
+                </a:solidFill>
+                <a:latin typeface="Consolas" panose="020B0609020204030204" pitchFamily="49" charset="0"/>
+              </a:rPr>
+              <a:t>255</a:t>
+            </a:r>
+            <a:r>
+              <a:rPr lang="en-US" altLang="zh-TW" dirty="0">
+                <a:solidFill>
+                  <a:srgbClr val="000000"/>
+                </a:solidFill>
+                <a:latin typeface="Consolas" panose="020B0609020204030204" pitchFamily="49" charset="0"/>
+              </a:rPr>
+              <a:t>, </a:t>
+            </a:r>
+            <a:r>
+              <a:rPr lang="en-US" altLang="zh-TW" dirty="0">
+                <a:solidFill>
+                  <a:srgbClr val="098658"/>
+                </a:solidFill>
+                <a:latin typeface="Consolas" panose="020B0609020204030204" pitchFamily="49" charset="0"/>
+              </a:rPr>
+              <a:t>0</a:t>
+            </a:r>
+            <a:r>
+              <a:rPr lang="en-US" altLang="zh-TW" dirty="0">
+                <a:solidFill>
+                  <a:srgbClr val="000000"/>
+                </a:solidFill>
+                <a:latin typeface="Consolas" panose="020B0609020204030204" pitchFamily="49" charset="0"/>
+              </a:rPr>
+              <a:t>), </a:t>
+            </a:r>
+            <a:r>
+              <a:rPr lang="en-US" altLang="zh-TW" dirty="0">
+                <a:solidFill>
+                  <a:srgbClr val="098658"/>
+                </a:solidFill>
+                <a:latin typeface="Consolas" panose="020B0609020204030204" pitchFamily="49" charset="0"/>
+              </a:rPr>
+              <a:t>5</a:t>
+            </a:r>
+            <a:r>
+              <a:rPr lang="en-US" altLang="zh-TW" dirty="0">
+                <a:solidFill>
+                  <a:srgbClr val="000000"/>
+                </a:solidFill>
+                <a:latin typeface="Consolas" panose="020B0609020204030204" pitchFamily="49" charset="0"/>
+              </a:rPr>
+              <a:t>)</a:t>
             </a:r>
           </a:p>
           <a:p>
@@ -3333,23 +3716,175 @@
               <a:buNone/>
             </a:pPr>
             <a:r>
-              <a:rPr lang="en-US" altLang="zh-TW" dirty="0"/>
-              <a:t/>
-            </a:r>
-            <a:br>
-              <a:rPr lang="en-US" altLang="zh-TW" dirty="0"/>
-            </a:br>
-            <a:r>
-              <a:rPr lang="en-US" altLang="zh-TW" dirty="0"/>
-              <a:t>cv2.line(</a:t>
-            </a:r>
-            <a:r>
-              <a:rPr lang="en-US" altLang="zh-TW" dirty="0" err="1"/>
+              <a:rPr lang="en-US" altLang="zh-TW" dirty="0">
+                <a:solidFill>
+                  <a:srgbClr val="000000"/>
+                </a:solidFill>
+                <a:latin typeface="Consolas" panose="020B0609020204030204" pitchFamily="49" charset="0"/>
+              </a:rPr>
+              <a:t>cv2.rectangle(</a:t>
+            </a:r>
+            <a:r>
+              <a:rPr lang="en-US" altLang="zh-TW" dirty="0" err="1">
+                <a:solidFill>
+                  <a:srgbClr val="000000"/>
+                </a:solidFill>
+                <a:latin typeface="Consolas" panose="020B0609020204030204" pitchFamily="49" charset="0"/>
+              </a:rPr>
               <a:t>img</a:t>
             </a:r>
             <a:r>
-              <a:rPr lang="en-US" altLang="zh-TW" dirty="0"/>
-              <a:t>, (0, 0), (255, 255), (0, 0, 255), 5)</a:t>
+              <a:rPr lang="en-US" altLang="zh-TW" dirty="0">
+                <a:solidFill>
+                  <a:srgbClr val="000000"/>
+                </a:solidFill>
+                <a:latin typeface="Consolas" panose="020B0609020204030204" pitchFamily="49" charset="0"/>
+              </a:rPr>
+              <a:t>, (</a:t>
+            </a:r>
+            <a:r>
+              <a:rPr lang="en-US" altLang="zh-TW" dirty="0">
+                <a:solidFill>
+                  <a:srgbClr val="098658"/>
+                </a:solidFill>
+                <a:latin typeface="Consolas" panose="020B0609020204030204" pitchFamily="49" charset="0"/>
+              </a:rPr>
+              <a:t>10</a:t>
+            </a:r>
+            <a:r>
+              <a:rPr lang="en-US" altLang="zh-TW" dirty="0">
+                <a:solidFill>
+                  <a:srgbClr val="000000"/>
+                </a:solidFill>
+                <a:latin typeface="Consolas" panose="020B0609020204030204" pitchFamily="49" charset="0"/>
+              </a:rPr>
+              <a:t>, </a:t>
+            </a:r>
+            <a:r>
+              <a:rPr lang="en-US" altLang="zh-TW" dirty="0">
+                <a:solidFill>
+                  <a:srgbClr val="098658"/>
+                </a:solidFill>
+                <a:latin typeface="Consolas" panose="020B0609020204030204" pitchFamily="49" charset="0"/>
+              </a:rPr>
+              <a:t>0</a:t>
+            </a:r>
+            <a:r>
+              <a:rPr lang="en-US" altLang="zh-TW" dirty="0">
+                <a:solidFill>
+                  <a:srgbClr val="000000"/>
+                </a:solidFill>
+                <a:latin typeface="Consolas" panose="020B0609020204030204" pitchFamily="49" charset="0"/>
+              </a:rPr>
+              <a:t>), (</a:t>
+            </a:r>
+            <a:r>
+              <a:rPr lang="en-US" altLang="zh-TW" dirty="0">
+                <a:solidFill>
+                  <a:srgbClr val="098658"/>
+                </a:solidFill>
+                <a:latin typeface="Consolas" panose="020B0609020204030204" pitchFamily="49" charset="0"/>
+              </a:rPr>
+              <a:t>580</a:t>
+            </a:r>
+            <a:r>
+              <a:rPr lang="en-US" altLang="zh-TW" dirty="0">
+                <a:solidFill>
+                  <a:srgbClr val="000000"/>
+                </a:solidFill>
+                <a:latin typeface="Consolas" panose="020B0609020204030204" pitchFamily="49" charset="0"/>
+              </a:rPr>
+              <a:t>, </a:t>
+            </a:r>
+            <a:r>
+              <a:rPr lang="en-US" altLang="zh-TW" dirty="0">
+                <a:solidFill>
+                  <a:srgbClr val="098658"/>
+                </a:solidFill>
+                <a:latin typeface="Consolas" panose="020B0609020204030204" pitchFamily="49" charset="0"/>
+              </a:rPr>
+              <a:t>320</a:t>
+            </a:r>
+            <a:r>
+              <a:rPr lang="en-US" altLang="zh-TW" dirty="0">
+                <a:solidFill>
+                  <a:srgbClr val="000000"/>
+                </a:solidFill>
+                <a:latin typeface="Consolas" panose="020B0609020204030204" pitchFamily="49" charset="0"/>
+              </a:rPr>
+              <a:t>), (</a:t>
+            </a:r>
+            <a:r>
+              <a:rPr lang="en-US" altLang="zh-TW" dirty="0">
+                <a:solidFill>
+                  <a:srgbClr val="098658"/>
+                </a:solidFill>
+                <a:latin typeface="Consolas" panose="020B0609020204030204" pitchFamily="49" charset="0"/>
+              </a:rPr>
+              <a:t>255</a:t>
+            </a:r>
+            <a:r>
+              <a:rPr lang="en-US" altLang="zh-TW" dirty="0">
+                <a:solidFill>
+                  <a:srgbClr val="000000"/>
+                </a:solidFill>
+                <a:latin typeface="Consolas" panose="020B0609020204030204" pitchFamily="49" charset="0"/>
+              </a:rPr>
+              <a:t>, </a:t>
+            </a:r>
+            <a:r>
+              <a:rPr lang="en-US" altLang="zh-TW" dirty="0">
+                <a:solidFill>
+                  <a:srgbClr val="098658"/>
+                </a:solidFill>
+                <a:latin typeface="Consolas" panose="020B0609020204030204" pitchFamily="49" charset="0"/>
+              </a:rPr>
+              <a:t>200</a:t>
+            </a:r>
+            <a:r>
+              <a:rPr lang="en-US" altLang="zh-TW" dirty="0">
+                <a:solidFill>
+                  <a:srgbClr val="000000"/>
+                </a:solidFill>
+                <a:latin typeface="Consolas" panose="020B0609020204030204" pitchFamily="49" charset="0"/>
+              </a:rPr>
+              <a:t>, </a:t>
+            </a:r>
+            <a:r>
+              <a:rPr lang="en-US" altLang="zh-TW" dirty="0">
+                <a:solidFill>
+                  <a:srgbClr val="098658"/>
+                </a:solidFill>
+                <a:latin typeface="Consolas" panose="020B0609020204030204" pitchFamily="49" charset="0"/>
+              </a:rPr>
+              <a:t>100</a:t>
+            </a:r>
+            <a:r>
+              <a:rPr lang="en-US" altLang="zh-TW" dirty="0">
+                <a:solidFill>
+                  <a:srgbClr val="000000"/>
+                </a:solidFill>
+                <a:latin typeface="Consolas" panose="020B0609020204030204" pitchFamily="49" charset="0"/>
+              </a:rPr>
+              <a:t>), </a:t>
+            </a:r>
+            <a:r>
+              <a:rPr lang="en-US" altLang="zh-TW" dirty="0">
+                <a:solidFill>
+                  <a:srgbClr val="098658"/>
+                </a:solidFill>
+                <a:latin typeface="Consolas" panose="020B0609020204030204" pitchFamily="49" charset="0"/>
+              </a:rPr>
+              <a:t>5</a:t>
+            </a:r>
+            <a:r>
+              <a:rPr lang="en-US" altLang="zh-TW" dirty="0">
+                <a:solidFill>
+                  <a:srgbClr val="000000"/>
+                </a:solidFill>
+                <a:latin typeface="Consolas" panose="020B0609020204030204" pitchFamily="49" charset="0"/>
+              </a:rPr>
+              <a:t>)</a:t>
             </a:r>
           </a:p>
           <a:p>
@@ -3357,16 +3892,175 @@
               <a:buNone/>
             </a:pPr>
             <a:r>
-              <a:rPr lang="en-US" altLang="zh-TW" dirty="0"/>
+              <a:rPr lang="en-US" altLang="zh-TW" dirty="0">
+                <a:solidFill>
+                  <a:srgbClr val="000000"/>
+                </a:solidFill>
+                <a:latin typeface="Consolas" panose="020B0609020204030204" pitchFamily="49" charset="0"/>
+              </a:rPr>
               <a:t>cv2.rectangle(</a:t>
             </a:r>
             <a:r>
-              <a:rPr lang="en-US" altLang="zh-TW" dirty="0" err="1"/>
+              <a:rPr lang="en-US" altLang="zh-TW" dirty="0" err="1">
+                <a:solidFill>
+                  <a:srgbClr val="000000"/>
+                </a:solidFill>
+                <a:latin typeface="Consolas" panose="020B0609020204030204" pitchFamily="49" charset="0"/>
+              </a:rPr>
               <a:t>img</a:t>
             </a:r>
             <a:r>
-              <a:rPr lang="en-US" altLang="zh-TW" dirty="0"/>
-              <a:t>, (0, 0), (255, 255), (0, 255, 0), 5)</a:t>
+              <a:rPr lang="en-US" altLang="zh-TW" dirty="0">
+                <a:solidFill>
+                  <a:srgbClr val="000000"/>
+                </a:solidFill>
+                <a:latin typeface="Consolas" panose="020B0609020204030204" pitchFamily="49" charset="0"/>
+              </a:rPr>
+              <a:t>, (</a:t>
+            </a:r>
+            <a:r>
+              <a:rPr lang="en-US" altLang="zh-TW" dirty="0">
+                <a:solidFill>
+                  <a:srgbClr val="098658"/>
+                </a:solidFill>
+                <a:latin typeface="Consolas" panose="020B0609020204030204" pitchFamily="49" charset="0"/>
+              </a:rPr>
+              <a:t>20</a:t>
+            </a:r>
+            <a:r>
+              <a:rPr lang="en-US" altLang="zh-TW" dirty="0">
+                <a:solidFill>
+                  <a:srgbClr val="000000"/>
+                </a:solidFill>
+                <a:latin typeface="Consolas" panose="020B0609020204030204" pitchFamily="49" charset="0"/>
+              </a:rPr>
+              <a:t>, </a:t>
+            </a:r>
+            <a:r>
+              <a:rPr lang="en-US" altLang="zh-TW" dirty="0">
+                <a:solidFill>
+                  <a:srgbClr val="098658"/>
+                </a:solidFill>
+                <a:latin typeface="Consolas" panose="020B0609020204030204" pitchFamily="49" charset="0"/>
+              </a:rPr>
+              <a:t>20</a:t>
+            </a:r>
+            <a:r>
+              <a:rPr lang="en-US" altLang="zh-TW" dirty="0">
+                <a:solidFill>
+                  <a:srgbClr val="000000"/>
+                </a:solidFill>
+                <a:latin typeface="Consolas" panose="020B0609020204030204" pitchFamily="49" charset="0"/>
+              </a:rPr>
+              <a:t>), (</a:t>
+            </a:r>
+            <a:r>
+              <a:rPr lang="en-US" altLang="zh-TW" dirty="0">
+                <a:solidFill>
+                  <a:srgbClr val="098658"/>
+                </a:solidFill>
+                <a:latin typeface="Consolas" panose="020B0609020204030204" pitchFamily="49" charset="0"/>
+              </a:rPr>
+              <a:t>100</a:t>
+            </a:r>
+            <a:r>
+              <a:rPr lang="en-US" altLang="zh-TW" dirty="0">
+                <a:solidFill>
+                  <a:srgbClr val="000000"/>
+                </a:solidFill>
+                <a:latin typeface="Consolas" panose="020B0609020204030204" pitchFamily="49" charset="0"/>
+              </a:rPr>
+              <a:t>, </a:t>
+            </a:r>
+            <a:r>
+              <a:rPr lang="en-US" altLang="zh-TW" dirty="0">
+                <a:solidFill>
+                  <a:srgbClr val="098658"/>
+                </a:solidFill>
+                <a:latin typeface="Consolas" panose="020B0609020204030204" pitchFamily="49" charset="0"/>
+              </a:rPr>
+              <a:t>100</a:t>
+            </a:r>
+            <a:r>
+              <a:rPr lang="en-US" altLang="zh-TW" dirty="0">
+                <a:solidFill>
+                  <a:srgbClr val="000000"/>
+                </a:solidFill>
+                <a:latin typeface="Consolas" panose="020B0609020204030204" pitchFamily="49" charset="0"/>
+              </a:rPr>
+              <a:t>), (</a:t>
+            </a:r>
+            <a:r>
+              <a:rPr lang="en-US" altLang="zh-TW" dirty="0">
+                <a:solidFill>
+                  <a:srgbClr val="098658"/>
+                </a:solidFill>
+                <a:latin typeface="Consolas" panose="020B0609020204030204" pitchFamily="49" charset="0"/>
+              </a:rPr>
+              <a:t>0</a:t>
+            </a:r>
+            <a:r>
+              <a:rPr lang="en-US" altLang="zh-TW" dirty="0">
+                <a:solidFill>
+                  <a:srgbClr val="000000"/>
+                </a:solidFill>
+                <a:latin typeface="Consolas" panose="020B0609020204030204" pitchFamily="49" charset="0"/>
+              </a:rPr>
+              <a:t>, </a:t>
+            </a:r>
+            <a:r>
+              <a:rPr lang="en-US" altLang="zh-TW" dirty="0">
+                <a:solidFill>
+                  <a:srgbClr val="098658"/>
+                </a:solidFill>
+                <a:latin typeface="Consolas" panose="020B0609020204030204" pitchFamily="49" charset="0"/>
+              </a:rPr>
+              <a:t>255</a:t>
+            </a:r>
+            <a:r>
+              <a:rPr lang="en-US" altLang="zh-TW" dirty="0">
+                <a:solidFill>
+                  <a:srgbClr val="000000"/>
+                </a:solidFill>
+                <a:latin typeface="Consolas" panose="020B0609020204030204" pitchFamily="49" charset="0"/>
+              </a:rPr>
+              <a:t>, </a:t>
+            </a:r>
+            <a:r>
+              <a:rPr lang="en-US" altLang="zh-TW" dirty="0">
+                <a:solidFill>
+                  <a:srgbClr val="098658"/>
+                </a:solidFill>
+                <a:latin typeface="Consolas" panose="020B0609020204030204" pitchFamily="49" charset="0"/>
+              </a:rPr>
+              <a:t>255</a:t>
+            </a:r>
+            <a:r>
+              <a:rPr lang="en-US" altLang="zh-TW" dirty="0">
+                <a:solidFill>
+                  <a:srgbClr val="000000"/>
+                </a:solidFill>
+                <a:latin typeface="Consolas" panose="020B0609020204030204" pitchFamily="49" charset="0"/>
+              </a:rPr>
+              <a:t>), -</a:t>
+            </a:r>
+            <a:r>
+              <a:rPr lang="en-US" altLang="zh-TW" dirty="0">
+                <a:solidFill>
+                  <a:srgbClr val="098658"/>
+                </a:solidFill>
+                <a:latin typeface="Consolas" panose="020B0609020204030204" pitchFamily="49" charset="0"/>
+              </a:rPr>
+              <a:t>1</a:t>
+            </a:r>
+            <a:r>
+              <a:rPr lang="en-US" altLang="zh-TW" dirty="0">
+                <a:solidFill>
+                  <a:srgbClr val="000000"/>
+                </a:solidFill>
+                <a:latin typeface="Consolas" panose="020B0609020204030204" pitchFamily="49" charset="0"/>
+              </a:rPr>
+              <a:t>)</a:t>
             </a:r>
           </a:p>
           <a:p>
@@ -3374,16 +4068,157 @@
               <a:buNone/>
             </a:pPr>
             <a:r>
-              <a:rPr lang="en-US" altLang="zh-TW" dirty="0"/>
-              <a:t>cv2.rectangle(</a:t>
-            </a:r>
-            <a:r>
-              <a:rPr lang="en-US" altLang="zh-TW" dirty="0" err="1"/>
+              <a:rPr lang="en-US" altLang="zh-TW" dirty="0">
+                <a:solidFill>
+                  <a:srgbClr val="000000"/>
+                </a:solidFill>
+                <a:latin typeface="Consolas" panose="020B0609020204030204" pitchFamily="49" charset="0"/>
+              </a:rPr>
+              <a:t>cv2.circle(</a:t>
+            </a:r>
+            <a:r>
+              <a:rPr lang="en-US" altLang="zh-TW" dirty="0" err="1">
+                <a:solidFill>
+                  <a:srgbClr val="000000"/>
+                </a:solidFill>
+                <a:latin typeface="Consolas" panose="020B0609020204030204" pitchFamily="49" charset="0"/>
+              </a:rPr>
               <a:t>img</a:t>
             </a:r>
             <a:r>
-              <a:rPr lang="en-US" altLang="zh-TW" dirty="0"/>
-              <a:t>, (0, 0), (100, 100), (0, 255, 255), -5)</a:t>
+              <a:rPr lang="en-US" altLang="zh-TW" dirty="0">
+                <a:solidFill>
+                  <a:srgbClr val="000000"/>
+                </a:solidFill>
+                <a:latin typeface="Consolas" panose="020B0609020204030204" pitchFamily="49" charset="0"/>
+              </a:rPr>
+              <a:t>, (</a:t>
+            </a:r>
+            <a:r>
+              <a:rPr lang="en-US" altLang="zh-TW" dirty="0">
+                <a:solidFill>
+                  <a:srgbClr val="098658"/>
+                </a:solidFill>
+                <a:latin typeface="Consolas" panose="020B0609020204030204" pitchFamily="49" charset="0"/>
+              </a:rPr>
+              <a:t>510</a:t>
+            </a:r>
+            <a:r>
+              <a:rPr lang="en-US" altLang="zh-TW" dirty="0">
+                <a:solidFill>
+                  <a:srgbClr val="000000"/>
+                </a:solidFill>
+                <a:latin typeface="Consolas" panose="020B0609020204030204" pitchFamily="49" charset="0"/>
+              </a:rPr>
+              <a:t>, </a:t>
+            </a:r>
+            <a:r>
+              <a:rPr lang="en-US" altLang="zh-TW" dirty="0">
+                <a:solidFill>
+                  <a:srgbClr val="098658"/>
+                </a:solidFill>
+                <a:latin typeface="Consolas" panose="020B0609020204030204" pitchFamily="49" charset="0"/>
+              </a:rPr>
+              <a:t>130</a:t>
+            </a:r>
+            <a:r>
+              <a:rPr lang="en-US" altLang="zh-TW" dirty="0">
+                <a:solidFill>
+                  <a:srgbClr val="000000"/>
+                </a:solidFill>
+                <a:latin typeface="Consolas" panose="020B0609020204030204" pitchFamily="49" charset="0"/>
+              </a:rPr>
+              <a:t>), </a:t>
+            </a:r>
+            <a:r>
+              <a:rPr lang="en-US" altLang="zh-TW" dirty="0">
+                <a:solidFill>
+                  <a:srgbClr val="098658"/>
+                </a:solidFill>
+                <a:latin typeface="Consolas" panose="020B0609020204030204" pitchFamily="49" charset="0"/>
+              </a:rPr>
+              <a:t>70</a:t>
+            </a:r>
+            <a:r>
+              <a:rPr lang="en-US" altLang="zh-TW" dirty="0">
+                <a:solidFill>
+                  <a:srgbClr val="000000"/>
+                </a:solidFill>
+                <a:latin typeface="Consolas" panose="020B0609020204030204" pitchFamily="49" charset="0"/>
+              </a:rPr>
+              <a:t>, (</a:t>
+            </a:r>
+            <a:r>
+              <a:rPr lang="en-US" altLang="zh-TW" dirty="0">
+                <a:solidFill>
+                  <a:srgbClr val="098658"/>
+                </a:solidFill>
+                <a:latin typeface="Consolas" panose="020B0609020204030204" pitchFamily="49" charset="0"/>
+              </a:rPr>
+              <a:t>255</a:t>
+            </a:r>
+            <a:r>
+              <a:rPr lang="en-US" altLang="zh-TW" dirty="0">
+                <a:solidFill>
+                  <a:srgbClr val="000000"/>
+                </a:solidFill>
+                <a:latin typeface="Consolas" panose="020B0609020204030204" pitchFamily="49" charset="0"/>
+              </a:rPr>
+              <a:t>, </a:t>
+            </a:r>
+            <a:r>
+              <a:rPr lang="en-US" altLang="zh-TW" dirty="0">
+                <a:solidFill>
+                  <a:srgbClr val="098658"/>
+                </a:solidFill>
+                <a:latin typeface="Consolas" panose="020B0609020204030204" pitchFamily="49" charset="0"/>
+              </a:rPr>
+              <a:t>255</a:t>
+            </a:r>
+            <a:r>
+              <a:rPr lang="en-US" altLang="zh-TW" dirty="0">
+                <a:solidFill>
+                  <a:srgbClr val="000000"/>
+                </a:solidFill>
+                <a:latin typeface="Consolas" panose="020B0609020204030204" pitchFamily="49" charset="0"/>
+              </a:rPr>
+              <a:t>, </a:t>
+            </a:r>
+            <a:r>
+              <a:rPr lang="en-US" altLang="zh-TW" dirty="0">
+                <a:solidFill>
+                  <a:srgbClr val="098658"/>
+                </a:solidFill>
+                <a:latin typeface="Consolas" panose="020B0609020204030204" pitchFamily="49" charset="0"/>
+              </a:rPr>
+              <a:t>0</a:t>
+            </a:r>
+            <a:r>
+              <a:rPr lang="en-US" altLang="zh-TW" dirty="0">
+                <a:solidFill>
+                  <a:srgbClr val="000000"/>
+                </a:solidFill>
+                <a:latin typeface="Consolas" panose="020B0609020204030204" pitchFamily="49" charset="0"/>
+              </a:rPr>
+              <a:t>), </a:t>
+            </a:r>
+            <a:r>
+              <a:rPr lang="en-US" altLang="zh-TW" dirty="0">
+                <a:solidFill>
+                  <a:srgbClr val="098658"/>
+                </a:solidFill>
+                <a:latin typeface="Consolas" panose="020B0609020204030204" pitchFamily="49" charset="0"/>
+              </a:rPr>
+              <a:t>5</a:t>
+            </a:r>
+            <a:r>
+              <a:rPr lang="en-US" altLang="zh-TW" dirty="0">
+                <a:solidFill>
+                  <a:srgbClr val="000000"/>
+                </a:solidFill>
+                <a:latin typeface="Consolas" panose="020B0609020204030204" pitchFamily="49" charset="0"/>
+              </a:rPr>
+              <a:t>)</a:t>
             </a:r>
           </a:p>
           <a:p>
@@ -3391,16 +4226,139 @@
               <a:buNone/>
             </a:pPr>
             <a:r>
-              <a:rPr lang="en-US" altLang="zh-TW" dirty="0"/>
-              <a:t>cv2.circle(</a:t>
-            </a:r>
-            <a:r>
-              <a:rPr lang="en-US" altLang="zh-TW" dirty="0" err="1"/>
+              <a:rPr lang="en-US" altLang="zh-TW" dirty="0">
+                <a:solidFill>
+                  <a:srgbClr val="000000"/>
+                </a:solidFill>
+                <a:latin typeface="Consolas" panose="020B0609020204030204" pitchFamily="49" charset="0"/>
+              </a:rPr>
+              <a:t>cv2.putText(</a:t>
+            </a:r>
+            <a:r>
+              <a:rPr lang="en-US" altLang="zh-TW" dirty="0" err="1">
+                <a:solidFill>
+                  <a:srgbClr val="000000"/>
+                </a:solidFill>
+                <a:latin typeface="Consolas" panose="020B0609020204030204" pitchFamily="49" charset="0"/>
+              </a:rPr>
               <a:t>img</a:t>
             </a:r>
             <a:r>
-              <a:rPr lang="en-US" altLang="zh-TW" dirty="0"/>
-              <a:t>, (100, 100), 100, (255, 255, 0), 5)</a:t>
+              <a:rPr lang="en-US" altLang="zh-TW" dirty="0">
+                <a:solidFill>
+                  <a:srgbClr val="000000"/>
+                </a:solidFill>
+                <a:latin typeface="Consolas" panose="020B0609020204030204" pitchFamily="49" charset="0"/>
+              </a:rPr>
+              <a:t>, </a:t>
+            </a:r>
+            <a:r>
+              <a:rPr lang="en-US" altLang="zh-TW" dirty="0">
+                <a:solidFill>
+                  <a:srgbClr val="A31515"/>
+                </a:solidFill>
+                <a:latin typeface="Consolas" panose="020B0609020204030204" pitchFamily="49" charset="0"/>
+              </a:rPr>
+              <a:t>"I can fly !!!"</a:t>
+            </a:r>
+            <a:r>
+              <a:rPr lang="en-US" altLang="zh-TW" dirty="0">
+                <a:solidFill>
+                  <a:srgbClr val="000000"/>
+                </a:solidFill>
+                <a:latin typeface="Consolas" panose="020B0609020204030204" pitchFamily="49" charset="0"/>
+              </a:rPr>
+              <a:t>, (</a:t>
+            </a:r>
+            <a:r>
+              <a:rPr lang="en-US" altLang="zh-TW" dirty="0">
+                <a:solidFill>
+                  <a:srgbClr val="098658"/>
+                </a:solidFill>
+                <a:latin typeface="Consolas" panose="020B0609020204030204" pitchFamily="49" charset="0"/>
+              </a:rPr>
+              <a:t>80</a:t>
+            </a:r>
+            <a:r>
+              <a:rPr lang="en-US" altLang="zh-TW" dirty="0">
+                <a:solidFill>
+                  <a:srgbClr val="000000"/>
+                </a:solidFill>
+                <a:latin typeface="Consolas" panose="020B0609020204030204" pitchFamily="49" charset="0"/>
+              </a:rPr>
+              <a:t>, </a:t>
+            </a:r>
+            <a:r>
+              <a:rPr lang="en-US" altLang="zh-TW" dirty="0">
+                <a:solidFill>
+                  <a:srgbClr val="098658"/>
+                </a:solidFill>
+                <a:latin typeface="Consolas" panose="020B0609020204030204" pitchFamily="49" charset="0"/>
+              </a:rPr>
+              <a:t>400</a:t>
+            </a:r>
+            <a:r>
+              <a:rPr lang="en-US" altLang="zh-TW" dirty="0">
+                <a:solidFill>
+                  <a:srgbClr val="000000"/>
+                </a:solidFill>
+                <a:latin typeface="Consolas" panose="020B0609020204030204" pitchFamily="49" charset="0"/>
+              </a:rPr>
+              <a:t>), cv2.FONT_HERSHEY_SIMPLEX, </a:t>
+            </a:r>
+            <a:r>
+              <a:rPr lang="en-US" altLang="zh-TW" dirty="0">
+                <a:solidFill>
+                  <a:srgbClr val="098658"/>
+                </a:solidFill>
+                <a:latin typeface="Consolas" panose="020B0609020204030204" pitchFamily="49" charset="0"/>
+              </a:rPr>
+              <a:t>2</a:t>
+            </a:r>
+            <a:r>
+              <a:rPr lang="en-US" altLang="zh-TW" dirty="0">
+                <a:solidFill>
+                  <a:srgbClr val="000000"/>
+                </a:solidFill>
+                <a:latin typeface="Consolas" panose="020B0609020204030204" pitchFamily="49" charset="0"/>
+              </a:rPr>
+              <a:t>, (</a:t>
+            </a:r>
+            <a:r>
+              <a:rPr lang="en-US" altLang="zh-TW" dirty="0">
+                <a:solidFill>
+                  <a:srgbClr val="098658"/>
+                </a:solidFill>
+                <a:latin typeface="Consolas" panose="020B0609020204030204" pitchFamily="49" charset="0"/>
+              </a:rPr>
+              <a:t>255</a:t>
+            </a:r>
+            <a:r>
+              <a:rPr lang="en-US" altLang="zh-TW" dirty="0">
+                <a:solidFill>
+                  <a:srgbClr val="000000"/>
+                </a:solidFill>
+                <a:latin typeface="Consolas" panose="020B0609020204030204" pitchFamily="49" charset="0"/>
+              </a:rPr>
+              <a:t>, </a:t>
+            </a:r>
+            <a:r>
+              <a:rPr lang="en-US" altLang="zh-TW" dirty="0">
+                <a:solidFill>
+                  <a:srgbClr val="098658"/>
+                </a:solidFill>
+                <a:latin typeface="Consolas" panose="020B0609020204030204" pitchFamily="49" charset="0"/>
+              </a:rPr>
+              <a:t>200</a:t>
+            </a:r>
+            <a:r>
+              <a:rPr lang="en-US" altLang="zh-TW" dirty="0">
+                <a:solidFill>
+                  <a:srgbClr val="000000"/>
+                </a:solidFill>
+                <a:latin typeface="Consolas" panose="020B0609020204030204" pitchFamily="49" charset="0"/>
+              </a:rPr>
+              <a:t>,</a:t>
             </a:r>
           </a:p>
           <a:p>
@@ -3408,42 +4366,98 @@
               <a:buNone/>
             </a:pPr>
             <a:r>
-              <a:rPr lang="en-US" altLang="zh-TW" dirty="0"/>
-              <a:t>cv2.circle(</a:t>
-            </a:r>
-            <a:r>
-              <a:rPr lang="en-US" altLang="zh-TW" dirty="0" err="1"/>
+              <a:rPr lang="en-US" altLang="zh-TW" dirty="0">
+                <a:solidFill>
+                  <a:srgbClr val="098658"/>
+                </a:solidFill>
+                <a:latin typeface="Consolas" panose="020B0609020204030204" pitchFamily="49" charset="0"/>
+              </a:rPr>
+              <a:t>200</a:t>
+            </a:r>
+            <a:r>
+              <a:rPr lang="en-US" altLang="zh-TW" dirty="0">
+                <a:solidFill>
+                  <a:srgbClr val="000000"/>
+                </a:solidFill>
+                <a:latin typeface="Consolas" panose="020B0609020204030204" pitchFamily="49" charset="0"/>
+              </a:rPr>
+              <a:t>), </a:t>
+            </a:r>
+            <a:r>
+              <a:rPr lang="en-US" altLang="zh-TW" dirty="0">
+                <a:solidFill>
+                  <a:srgbClr val="098658"/>
+                </a:solidFill>
+                <a:latin typeface="Consolas" panose="020B0609020204030204" pitchFamily="49" charset="0"/>
+              </a:rPr>
+              <a:t>3</a:t>
+            </a:r>
+            <a:r>
+              <a:rPr lang="en-US" altLang="zh-TW" dirty="0">
+                <a:solidFill>
+                  <a:srgbClr val="000000"/>
+                </a:solidFill>
+                <a:latin typeface="Consolas" panose="020B0609020204030204" pitchFamily="49" charset="0"/>
+              </a:rPr>
+              <a:t>)</a:t>
+            </a:r>
+          </a:p>
+          <a:p>
+            <a:pPr marL="0" indent="0">
+              <a:buNone/>
+            </a:pPr>
+            <a:r>
+              <a:rPr lang="en-US" altLang="zh-TW" dirty="0">
+                <a:solidFill>
+                  <a:srgbClr val="000000"/>
+                </a:solidFill>
+                <a:latin typeface="Consolas" panose="020B0609020204030204" pitchFamily="49" charset="0"/>
+              </a:rPr>
+              <a:t>cv2.imwrite( </a:t>
+            </a:r>
+            <a:r>
+              <a:rPr lang="en-US" altLang="zh-TW" dirty="0">
+                <a:solidFill>
+                  <a:srgbClr val="A31515"/>
+                </a:solidFill>
+                <a:latin typeface="Consolas" panose="020B0609020204030204" pitchFamily="49" charset="0"/>
+              </a:rPr>
+              <a:t>"./picture1.jpg"</a:t>
+            </a:r>
+            <a:r>
+              <a:rPr lang="en-US" altLang="zh-TW" dirty="0">
+                <a:solidFill>
+                  <a:srgbClr val="000000"/>
+                </a:solidFill>
+                <a:latin typeface="Consolas" panose="020B0609020204030204" pitchFamily="49" charset="0"/>
+              </a:rPr>
+              <a:t>, </a:t>
+            </a:r>
+            <a:r>
+              <a:rPr lang="en-US" altLang="zh-TW" dirty="0" err="1">
+                <a:solidFill>
+                  <a:srgbClr val="000000"/>
+                </a:solidFill>
+                <a:latin typeface="Consolas" panose="020B0609020204030204" pitchFamily="49" charset="0"/>
+              </a:rPr>
               <a:t>img</a:t>
             </a:r>
             <a:r>
-              <a:rPr lang="en-US" altLang="zh-TW" dirty="0"/>
-              <a:t>, (100, 100), 50, (255, 0, 255), -1)</a:t>
-            </a:r>
-          </a:p>
-          <a:p>
-            <a:pPr marL="0" indent="0">
-              <a:buNone/>
-            </a:pPr>
-            <a:r>
-              <a:rPr lang="en-US" altLang="zh-TW" dirty="0"/>
-              <a:t/>
-            </a:r>
-            <a:br>
-              <a:rPr lang="en-US" altLang="zh-TW" dirty="0"/>
-            </a:br>
-            <a:r>
-              <a:rPr lang="en-US" altLang="zh-TW" dirty="0"/>
-              <a:t>cv2.imwrite( "./picture.jpg", </a:t>
-            </a:r>
-            <a:r>
-              <a:rPr lang="en-US" altLang="zh-TW" dirty="0" err="1"/>
-              <a:t>img</a:t>
-            </a:r>
-            <a:r>
-              <a:rPr lang="en-US" altLang="zh-TW" dirty="0" smtClean="0"/>
+              <a:rPr lang="en-US" altLang="zh-TW" dirty="0">
+                <a:solidFill>
+                  <a:srgbClr val="000000"/>
+                </a:solidFill>
+                <a:latin typeface="Consolas" panose="020B0609020204030204" pitchFamily="49" charset="0"/>
+              </a:rPr>
               <a:t>)</a:t>
             </a:r>
-            <a:endParaRPr lang="en-US" altLang="zh-TW" dirty="0"/>
+            <a:endParaRPr lang="en-US" altLang="zh-TW" b="0" dirty="0">
+              <a:solidFill>
+                <a:srgbClr val="000000"/>
+              </a:solidFill>
+              <a:effectLst/>
+              <a:latin typeface="Consolas" panose="020B0609020204030204" pitchFamily="49" charset="0"/>
+            </a:endParaRPr>
           </a:p>
         </p:txBody>
       </p:sp>
@@ -3513,7 +4527,7 @@
       </p:sp>
       <p:pic>
         <p:nvPicPr>
-          <p:cNvPr id="4" name="內容版面配置區 3"/>
+          <p:cNvPr id="5" name="內容版面配置區 4"/>
           <p:cNvPicPr>
             <a:picLocks noGrp="1" noChangeAspect="1"/>
           </p:cNvPicPr>
@@ -3535,8 +4549,8 @@
         </p:blipFill>
         <p:spPr>
           <a:xfrm>
-            <a:off x="4191000" y="2096294"/>
-            <a:ext cx="3810000" cy="3810000"/>
+            <a:off x="3238500" y="1858169"/>
+            <a:ext cx="5715000" cy="4286250"/>
           </a:xfrm>
         </p:spPr>
       </p:pic>

--- a/hw1_opencv/Hw1_openCV.pptx
+++ b/hw1_opencv/Hw1_openCV.pptx
@@ -125,6 +125,35 @@
 </p:presentation>
 </file>
 
+<file path=ppt/changesInfos/changesInfo1.xml><?xml version="1.0" encoding="utf-8"?>
+<pc:chgInfo xmlns:a="http://schemas.openxmlformats.org/drawingml/2006/main" xmlns:r="http://schemas.openxmlformats.org/officeDocument/2006/relationships" xmlns:ac="http://schemas.microsoft.com/office/drawing/2013/main/command" xmlns:pc="http://schemas.microsoft.com/office/powerpoint/2013/main/command">
+  <pc:docChgLst>
+    <pc:chgData userId="f880386e540dd244" providerId="LiveId" clId="{C2E8BE4A-CA3A-4CC2-A1B8-CBCCA0DC156D}"/>
+    <pc:docChg chg="modSld sldOrd">
+      <pc:chgData name="" userId="f880386e540dd244" providerId="LiveId" clId="{C2E8BE4A-CA3A-4CC2-A1B8-CBCCA0DC156D}" dt="2021-03-06T14:58:54.678" v="875"/>
+      <pc:docMkLst>
+        <pc:docMk/>
+      </pc:docMkLst>
+      <pc:sldChg chg="modSp ord">
+        <pc:chgData name="" userId="f880386e540dd244" providerId="LiveId" clId="{C2E8BE4A-CA3A-4CC2-A1B8-CBCCA0DC156D}" dt="2021-03-06T14:58:54.678" v="875"/>
+        <pc:sldMkLst>
+          <pc:docMk/>
+          <pc:sldMk cId="2274062438" sldId="270"/>
+        </pc:sldMkLst>
+        <pc:spChg chg="mod">
+          <ac:chgData name="" userId="f880386e540dd244" providerId="LiveId" clId="{C2E8BE4A-CA3A-4CC2-A1B8-CBCCA0DC156D}" dt="2021-03-06T14:58:54.678" v="875"/>
+          <ac:spMkLst>
+            <pc:docMk/>
+            <pc:sldMk cId="2274062438" sldId="270"/>
+            <ac:spMk id="3" creationId="{00000000-0000-0000-0000-000000000000}"/>
+          </ac:spMkLst>
+        </pc:spChg>
+      </pc:sldChg>
+    </pc:docChg>
+  </pc:docChgLst>
+</pc:chgInfo>
+</file>
+
 <file path=ppt/slideLayouts/slideLayout1.xml><?xml version="1.0" encoding="utf-8"?>
 <p:sldLayout xmlns:a="http://schemas.openxmlformats.org/drawingml/2006/main" xmlns:r="http://schemas.openxmlformats.org/officeDocument/2006/relationships" xmlns:p="http://schemas.openxmlformats.org/presentationml/2006/main" type="title" preserve="1">
   <p:cSld name="標題投影片">
@@ -167,10 +196,9 @@
           </a:lstStyle>
           <a:p>
             <a:r>
-              <a:rPr lang="zh-TW" altLang="en-US" smtClean="0"/>
+              <a:rPr lang="zh-TW" altLang="en-US"/>
               <a:t>按一下以編輯母片標題樣式</a:t>
             </a:r>
-            <a:endParaRPr lang="zh-TW" altLang="en-US"/>
           </a:p>
         </p:txBody>
       </p:sp>
@@ -232,10 +260,9 @@
           </a:lstStyle>
           <a:p>
             <a:r>
-              <a:rPr lang="zh-TW" altLang="en-US" smtClean="0"/>
+              <a:rPr lang="zh-TW" altLang="en-US"/>
               <a:t>按一下以編輯母片副標題樣式</a:t>
             </a:r>
-            <a:endParaRPr lang="zh-TW" altLang="en-US"/>
           </a:p>
         </p:txBody>
       </p:sp>
@@ -256,7 +283,7 @@
           <a:p>
             <a:fld id="{CB1A9A4B-8109-4FCA-A4B8-DC1246F1A173}" type="datetimeFigureOut">
               <a:rPr lang="zh-TW" altLang="en-US" smtClean="0"/>
-              <a:t>2021/3/5</a:t>
+              <a:t>2021/3/6</a:t>
             </a:fld>
             <a:endParaRPr lang="zh-TW" altLang="en-US"/>
           </a:p>
@@ -350,10 +377,9 @@
           <a:lstStyle/>
           <a:p>
             <a:r>
-              <a:rPr lang="zh-TW" altLang="en-US" smtClean="0"/>
+              <a:rPr lang="zh-TW" altLang="en-US"/>
               <a:t>按一下以編輯母片標題樣式</a:t>
             </a:r>
-            <a:endParaRPr lang="zh-TW" altLang="en-US"/>
           </a:p>
         </p:txBody>
       </p:sp>
@@ -374,38 +400,37 @@
           <a:p>
             <a:pPr lvl="0"/>
             <a:r>
-              <a:rPr lang="zh-TW" altLang="en-US" smtClean="0"/>
+              <a:rPr lang="zh-TW" altLang="en-US"/>
               <a:t>編輯母片文字樣式</a:t>
             </a:r>
           </a:p>
           <a:p>
             <a:pPr lvl="1"/>
             <a:r>
-              <a:rPr lang="zh-TW" altLang="en-US" smtClean="0"/>
+              <a:rPr lang="zh-TW" altLang="en-US"/>
               <a:t>第二層</a:t>
             </a:r>
           </a:p>
           <a:p>
             <a:pPr lvl="2"/>
             <a:r>
-              <a:rPr lang="zh-TW" altLang="en-US" smtClean="0"/>
+              <a:rPr lang="zh-TW" altLang="en-US"/>
               <a:t>第三層</a:t>
             </a:r>
           </a:p>
           <a:p>
             <a:pPr lvl="3"/>
             <a:r>
-              <a:rPr lang="zh-TW" altLang="en-US" smtClean="0"/>
+              <a:rPr lang="zh-TW" altLang="en-US"/>
               <a:t>第四層</a:t>
             </a:r>
           </a:p>
           <a:p>
             <a:pPr lvl="4"/>
             <a:r>
-              <a:rPr lang="zh-TW" altLang="en-US" smtClean="0"/>
+              <a:rPr lang="zh-TW" altLang="en-US"/>
               <a:t>第五層</a:t>
             </a:r>
-            <a:endParaRPr lang="zh-TW" altLang="en-US"/>
           </a:p>
         </p:txBody>
       </p:sp>
@@ -426,7 +451,7 @@
           <a:p>
             <a:fld id="{CB1A9A4B-8109-4FCA-A4B8-DC1246F1A173}" type="datetimeFigureOut">
               <a:rPr lang="zh-TW" altLang="en-US" smtClean="0"/>
-              <a:t>2021/3/5</a:t>
+              <a:t>2021/3/6</a:t>
             </a:fld>
             <a:endParaRPr lang="zh-TW" altLang="en-US"/>
           </a:p>
@@ -525,10 +550,9 @@
           <a:lstStyle/>
           <a:p>
             <a:r>
-              <a:rPr lang="zh-TW" altLang="en-US" smtClean="0"/>
+              <a:rPr lang="zh-TW" altLang="en-US"/>
               <a:t>按一下以編輯母片標題樣式</a:t>
             </a:r>
-            <a:endParaRPr lang="zh-TW" altLang="en-US"/>
           </a:p>
         </p:txBody>
       </p:sp>
@@ -554,38 +578,37 @@
           <a:p>
             <a:pPr lvl="0"/>
             <a:r>
-              <a:rPr lang="zh-TW" altLang="en-US" smtClean="0"/>
+              <a:rPr lang="zh-TW" altLang="en-US"/>
               <a:t>編輯母片文字樣式</a:t>
             </a:r>
           </a:p>
           <a:p>
             <a:pPr lvl="1"/>
             <a:r>
-              <a:rPr lang="zh-TW" altLang="en-US" smtClean="0"/>
+              <a:rPr lang="zh-TW" altLang="en-US"/>
               <a:t>第二層</a:t>
             </a:r>
           </a:p>
           <a:p>
             <a:pPr lvl="2"/>
             <a:r>
-              <a:rPr lang="zh-TW" altLang="en-US" smtClean="0"/>
+              <a:rPr lang="zh-TW" altLang="en-US"/>
               <a:t>第三層</a:t>
             </a:r>
           </a:p>
           <a:p>
             <a:pPr lvl="3"/>
             <a:r>
-              <a:rPr lang="zh-TW" altLang="en-US" smtClean="0"/>
+              <a:rPr lang="zh-TW" altLang="en-US"/>
               <a:t>第四層</a:t>
             </a:r>
           </a:p>
           <a:p>
             <a:pPr lvl="4"/>
             <a:r>
-              <a:rPr lang="zh-TW" altLang="en-US" smtClean="0"/>
+              <a:rPr lang="zh-TW" altLang="en-US"/>
               <a:t>第五層</a:t>
             </a:r>
-            <a:endParaRPr lang="zh-TW" altLang="en-US"/>
           </a:p>
         </p:txBody>
       </p:sp>
@@ -606,7 +629,7 @@
           <a:p>
             <a:fld id="{CB1A9A4B-8109-4FCA-A4B8-DC1246F1A173}" type="datetimeFigureOut">
               <a:rPr lang="zh-TW" altLang="en-US" smtClean="0"/>
-              <a:t>2021/3/5</a:t>
+              <a:t>2021/3/6</a:t>
             </a:fld>
             <a:endParaRPr lang="zh-TW" altLang="en-US"/>
           </a:p>
@@ -700,10 +723,9 @@
           <a:lstStyle/>
           <a:p>
             <a:r>
-              <a:rPr lang="zh-TW" altLang="en-US" smtClean="0"/>
+              <a:rPr lang="zh-TW" altLang="en-US"/>
               <a:t>按一下以編輯母片標題樣式</a:t>
             </a:r>
-            <a:endParaRPr lang="zh-TW" altLang="en-US"/>
           </a:p>
         </p:txBody>
       </p:sp>
@@ -724,38 +746,37 @@
           <a:p>
             <a:pPr lvl="0"/>
             <a:r>
-              <a:rPr lang="zh-TW" altLang="en-US" smtClean="0"/>
+              <a:rPr lang="zh-TW" altLang="en-US"/>
               <a:t>編輯母片文字樣式</a:t>
             </a:r>
           </a:p>
           <a:p>
             <a:pPr lvl="1"/>
             <a:r>
-              <a:rPr lang="zh-TW" altLang="en-US" smtClean="0"/>
+              <a:rPr lang="zh-TW" altLang="en-US"/>
               <a:t>第二層</a:t>
             </a:r>
           </a:p>
           <a:p>
             <a:pPr lvl="2"/>
             <a:r>
-              <a:rPr lang="zh-TW" altLang="en-US" smtClean="0"/>
+              <a:rPr lang="zh-TW" altLang="en-US"/>
               <a:t>第三層</a:t>
             </a:r>
           </a:p>
           <a:p>
             <a:pPr lvl="3"/>
             <a:r>
-              <a:rPr lang="zh-TW" altLang="en-US" smtClean="0"/>
+              <a:rPr lang="zh-TW" altLang="en-US"/>
               <a:t>第四層</a:t>
             </a:r>
           </a:p>
           <a:p>
             <a:pPr lvl="4"/>
             <a:r>
-              <a:rPr lang="zh-TW" altLang="en-US" smtClean="0"/>
+              <a:rPr lang="zh-TW" altLang="en-US"/>
               <a:t>第五層</a:t>
             </a:r>
-            <a:endParaRPr lang="zh-TW" altLang="en-US"/>
           </a:p>
         </p:txBody>
       </p:sp>
@@ -776,7 +797,7 @@
           <a:p>
             <a:fld id="{CB1A9A4B-8109-4FCA-A4B8-DC1246F1A173}" type="datetimeFigureOut">
               <a:rPr lang="zh-TW" altLang="en-US" smtClean="0"/>
-              <a:t>2021/3/5</a:t>
+              <a:t>2021/3/6</a:t>
             </a:fld>
             <a:endParaRPr lang="zh-TW" altLang="en-US"/>
           </a:p>
@@ -879,10 +900,9 @@
           </a:lstStyle>
           <a:p>
             <a:r>
-              <a:rPr lang="zh-TW" altLang="en-US" smtClean="0"/>
+              <a:rPr lang="zh-TW" altLang="en-US"/>
               <a:t>按一下以編輯母片標題樣式</a:t>
             </a:r>
-            <a:endParaRPr lang="zh-TW" altLang="en-US"/>
           </a:p>
         </p:txBody>
       </p:sp>
@@ -999,7 +1019,7 @@
           <a:p>
             <a:pPr lvl="0"/>
             <a:r>
-              <a:rPr lang="zh-TW" altLang="en-US" smtClean="0"/>
+              <a:rPr lang="zh-TW" altLang="en-US"/>
               <a:t>編輯母片文字樣式</a:t>
             </a:r>
           </a:p>
@@ -1022,7 +1042,7 @@
           <a:p>
             <a:fld id="{CB1A9A4B-8109-4FCA-A4B8-DC1246F1A173}" type="datetimeFigureOut">
               <a:rPr lang="zh-TW" altLang="en-US" smtClean="0"/>
-              <a:t>2021/3/5</a:t>
+              <a:t>2021/3/6</a:t>
             </a:fld>
             <a:endParaRPr lang="zh-TW" altLang="en-US"/>
           </a:p>
@@ -1116,10 +1136,9 @@
           <a:lstStyle/>
           <a:p>
             <a:r>
-              <a:rPr lang="zh-TW" altLang="en-US" smtClean="0"/>
+              <a:rPr lang="zh-TW" altLang="en-US"/>
               <a:t>按一下以編輯母片標題樣式</a:t>
             </a:r>
-            <a:endParaRPr lang="zh-TW" altLang="en-US"/>
           </a:p>
         </p:txBody>
       </p:sp>
@@ -1145,38 +1164,37 @@
           <a:p>
             <a:pPr lvl="0"/>
             <a:r>
-              <a:rPr lang="zh-TW" altLang="en-US" smtClean="0"/>
+              <a:rPr lang="zh-TW" altLang="en-US"/>
               <a:t>編輯母片文字樣式</a:t>
             </a:r>
           </a:p>
           <a:p>
             <a:pPr lvl="1"/>
             <a:r>
-              <a:rPr lang="zh-TW" altLang="en-US" smtClean="0"/>
+              <a:rPr lang="zh-TW" altLang="en-US"/>
               <a:t>第二層</a:t>
             </a:r>
           </a:p>
           <a:p>
             <a:pPr lvl="2"/>
             <a:r>
-              <a:rPr lang="zh-TW" altLang="en-US" smtClean="0"/>
+              <a:rPr lang="zh-TW" altLang="en-US"/>
               <a:t>第三層</a:t>
             </a:r>
           </a:p>
           <a:p>
             <a:pPr lvl="3"/>
             <a:r>
-              <a:rPr lang="zh-TW" altLang="en-US" smtClean="0"/>
+              <a:rPr lang="zh-TW" altLang="en-US"/>
               <a:t>第四層</a:t>
             </a:r>
           </a:p>
           <a:p>
             <a:pPr lvl="4"/>
             <a:r>
-              <a:rPr lang="zh-TW" altLang="en-US" smtClean="0"/>
+              <a:rPr lang="zh-TW" altLang="en-US"/>
               <a:t>第五層</a:t>
             </a:r>
-            <a:endParaRPr lang="zh-TW" altLang="en-US"/>
           </a:p>
         </p:txBody>
       </p:sp>
@@ -1202,38 +1220,37 @@
           <a:p>
             <a:pPr lvl="0"/>
             <a:r>
-              <a:rPr lang="zh-TW" altLang="en-US" smtClean="0"/>
+              <a:rPr lang="zh-TW" altLang="en-US"/>
               <a:t>編輯母片文字樣式</a:t>
             </a:r>
           </a:p>
           <a:p>
             <a:pPr lvl="1"/>
             <a:r>
-              <a:rPr lang="zh-TW" altLang="en-US" smtClean="0"/>
+              <a:rPr lang="zh-TW" altLang="en-US"/>
               <a:t>第二層</a:t>
             </a:r>
           </a:p>
           <a:p>
             <a:pPr lvl="2"/>
             <a:r>
-              <a:rPr lang="zh-TW" altLang="en-US" smtClean="0"/>
+              <a:rPr lang="zh-TW" altLang="en-US"/>
               <a:t>第三層</a:t>
             </a:r>
           </a:p>
           <a:p>
             <a:pPr lvl="3"/>
             <a:r>
-              <a:rPr lang="zh-TW" altLang="en-US" smtClean="0"/>
+              <a:rPr lang="zh-TW" altLang="en-US"/>
               <a:t>第四層</a:t>
             </a:r>
           </a:p>
           <a:p>
             <a:pPr lvl="4"/>
             <a:r>
-              <a:rPr lang="zh-TW" altLang="en-US" smtClean="0"/>
+              <a:rPr lang="zh-TW" altLang="en-US"/>
               <a:t>第五層</a:t>
             </a:r>
-            <a:endParaRPr lang="zh-TW" altLang="en-US"/>
           </a:p>
         </p:txBody>
       </p:sp>
@@ -1254,7 +1271,7 @@
           <a:p>
             <a:fld id="{CB1A9A4B-8109-4FCA-A4B8-DC1246F1A173}" type="datetimeFigureOut">
               <a:rPr lang="zh-TW" altLang="en-US" smtClean="0"/>
-              <a:t>2021/3/5</a:t>
+              <a:t>2021/3/6</a:t>
             </a:fld>
             <a:endParaRPr lang="zh-TW" altLang="en-US"/>
           </a:p>
@@ -1353,10 +1370,9 @@
           <a:lstStyle/>
           <a:p>
             <a:r>
-              <a:rPr lang="zh-TW" altLang="en-US" smtClean="0"/>
+              <a:rPr lang="zh-TW" altLang="en-US"/>
               <a:t>按一下以編輯母片標題樣式</a:t>
             </a:r>
-            <a:endParaRPr lang="zh-TW" altLang="en-US"/>
           </a:p>
         </p:txBody>
       </p:sp>
@@ -1419,7 +1435,7 @@
           <a:p>
             <a:pPr lvl="0"/>
             <a:r>
-              <a:rPr lang="zh-TW" altLang="en-US" smtClean="0"/>
+              <a:rPr lang="zh-TW" altLang="en-US"/>
               <a:t>編輯母片文字樣式</a:t>
             </a:r>
           </a:p>
@@ -1447,38 +1463,37 @@
           <a:p>
             <a:pPr lvl="0"/>
             <a:r>
-              <a:rPr lang="zh-TW" altLang="en-US" smtClean="0"/>
+              <a:rPr lang="zh-TW" altLang="en-US"/>
               <a:t>編輯母片文字樣式</a:t>
             </a:r>
           </a:p>
           <a:p>
             <a:pPr lvl="1"/>
             <a:r>
-              <a:rPr lang="zh-TW" altLang="en-US" smtClean="0"/>
+              <a:rPr lang="zh-TW" altLang="en-US"/>
               <a:t>第二層</a:t>
             </a:r>
           </a:p>
           <a:p>
             <a:pPr lvl="2"/>
             <a:r>
-              <a:rPr lang="zh-TW" altLang="en-US" smtClean="0"/>
+              <a:rPr lang="zh-TW" altLang="en-US"/>
               <a:t>第三層</a:t>
             </a:r>
           </a:p>
           <a:p>
             <a:pPr lvl="3"/>
             <a:r>
-              <a:rPr lang="zh-TW" altLang="en-US" smtClean="0"/>
+              <a:rPr lang="zh-TW" altLang="en-US"/>
               <a:t>第四層</a:t>
             </a:r>
           </a:p>
           <a:p>
             <a:pPr lvl="4"/>
             <a:r>
-              <a:rPr lang="zh-TW" altLang="en-US" smtClean="0"/>
+              <a:rPr lang="zh-TW" altLang="en-US"/>
               <a:t>第五層</a:t>
             </a:r>
-            <a:endParaRPr lang="zh-TW" altLang="en-US"/>
           </a:p>
         </p:txBody>
       </p:sp>
@@ -1541,7 +1556,7 @@
           <a:p>
             <a:pPr lvl="0"/>
             <a:r>
-              <a:rPr lang="zh-TW" altLang="en-US" smtClean="0"/>
+              <a:rPr lang="zh-TW" altLang="en-US"/>
               <a:t>編輯母片文字樣式</a:t>
             </a:r>
           </a:p>
@@ -1569,38 +1584,37 @@
           <a:p>
             <a:pPr lvl="0"/>
             <a:r>
-              <a:rPr lang="zh-TW" altLang="en-US" smtClean="0"/>
+              <a:rPr lang="zh-TW" altLang="en-US"/>
               <a:t>編輯母片文字樣式</a:t>
             </a:r>
           </a:p>
           <a:p>
             <a:pPr lvl="1"/>
             <a:r>
-              <a:rPr lang="zh-TW" altLang="en-US" smtClean="0"/>
+              <a:rPr lang="zh-TW" altLang="en-US"/>
               <a:t>第二層</a:t>
             </a:r>
           </a:p>
           <a:p>
             <a:pPr lvl="2"/>
             <a:r>
-              <a:rPr lang="zh-TW" altLang="en-US" smtClean="0"/>
+              <a:rPr lang="zh-TW" altLang="en-US"/>
               <a:t>第三層</a:t>
             </a:r>
           </a:p>
           <a:p>
             <a:pPr lvl="3"/>
             <a:r>
-              <a:rPr lang="zh-TW" altLang="en-US" smtClean="0"/>
+              <a:rPr lang="zh-TW" altLang="en-US"/>
               <a:t>第四層</a:t>
             </a:r>
           </a:p>
           <a:p>
             <a:pPr lvl="4"/>
             <a:r>
-              <a:rPr lang="zh-TW" altLang="en-US" smtClean="0"/>
+              <a:rPr lang="zh-TW" altLang="en-US"/>
               <a:t>第五層</a:t>
             </a:r>
-            <a:endParaRPr lang="zh-TW" altLang="en-US"/>
           </a:p>
         </p:txBody>
       </p:sp>
@@ -1621,7 +1635,7 @@
           <a:p>
             <a:fld id="{CB1A9A4B-8109-4FCA-A4B8-DC1246F1A173}" type="datetimeFigureOut">
               <a:rPr lang="zh-TW" altLang="en-US" smtClean="0"/>
-              <a:t>2021/3/5</a:t>
+              <a:t>2021/3/6</a:t>
             </a:fld>
             <a:endParaRPr lang="zh-TW" altLang="en-US"/>
           </a:p>
@@ -1715,10 +1729,9 @@
           <a:lstStyle/>
           <a:p>
             <a:r>
-              <a:rPr lang="zh-TW" altLang="en-US" smtClean="0"/>
+              <a:rPr lang="zh-TW" altLang="en-US"/>
               <a:t>按一下以編輯母片標題樣式</a:t>
             </a:r>
-            <a:endParaRPr lang="zh-TW" altLang="en-US"/>
           </a:p>
         </p:txBody>
       </p:sp>
@@ -1739,7 +1752,7 @@
           <a:p>
             <a:fld id="{CB1A9A4B-8109-4FCA-A4B8-DC1246F1A173}" type="datetimeFigureOut">
               <a:rPr lang="zh-TW" altLang="en-US" smtClean="0"/>
-              <a:t>2021/3/5</a:t>
+              <a:t>2021/3/6</a:t>
             </a:fld>
             <a:endParaRPr lang="zh-TW" altLang="en-US"/>
           </a:p>
@@ -1834,7 +1847,7 @@
           <a:p>
             <a:fld id="{CB1A9A4B-8109-4FCA-A4B8-DC1246F1A173}" type="datetimeFigureOut">
               <a:rPr lang="zh-TW" altLang="en-US" smtClean="0"/>
-              <a:t>2021/3/5</a:t>
+              <a:t>2021/3/6</a:t>
             </a:fld>
             <a:endParaRPr lang="zh-TW" altLang="en-US"/>
           </a:p>
@@ -1937,10 +1950,9 @@
           </a:lstStyle>
           <a:p>
             <a:r>
-              <a:rPr lang="zh-TW" altLang="en-US" smtClean="0"/>
+              <a:rPr lang="zh-TW" altLang="en-US"/>
               <a:t>按一下以編輯母片標題樣式</a:t>
             </a:r>
-            <a:endParaRPr lang="zh-TW" altLang="en-US"/>
           </a:p>
         </p:txBody>
       </p:sp>
@@ -1994,38 +2006,37 @@
           <a:p>
             <a:pPr lvl="0"/>
             <a:r>
-              <a:rPr lang="zh-TW" altLang="en-US" smtClean="0"/>
+              <a:rPr lang="zh-TW" altLang="en-US"/>
               <a:t>編輯母片文字樣式</a:t>
             </a:r>
           </a:p>
           <a:p>
             <a:pPr lvl="1"/>
             <a:r>
-              <a:rPr lang="zh-TW" altLang="en-US" smtClean="0"/>
+              <a:rPr lang="zh-TW" altLang="en-US"/>
               <a:t>第二層</a:t>
             </a:r>
           </a:p>
           <a:p>
             <a:pPr lvl="2"/>
             <a:r>
-              <a:rPr lang="zh-TW" altLang="en-US" smtClean="0"/>
+              <a:rPr lang="zh-TW" altLang="en-US"/>
               <a:t>第三層</a:t>
             </a:r>
           </a:p>
           <a:p>
             <a:pPr lvl="3"/>
             <a:r>
-              <a:rPr lang="zh-TW" altLang="en-US" smtClean="0"/>
+              <a:rPr lang="zh-TW" altLang="en-US"/>
               <a:t>第四層</a:t>
             </a:r>
           </a:p>
           <a:p>
             <a:pPr lvl="4"/>
             <a:r>
-              <a:rPr lang="zh-TW" altLang="en-US" smtClean="0"/>
+              <a:rPr lang="zh-TW" altLang="en-US"/>
               <a:t>第五層</a:t>
             </a:r>
-            <a:endParaRPr lang="zh-TW" altLang="en-US"/>
           </a:p>
         </p:txBody>
       </p:sp>
@@ -2088,7 +2099,7 @@
           <a:p>
             <a:pPr lvl="0"/>
             <a:r>
-              <a:rPr lang="zh-TW" altLang="en-US" smtClean="0"/>
+              <a:rPr lang="zh-TW" altLang="en-US"/>
               <a:t>編輯母片文字樣式</a:t>
             </a:r>
           </a:p>
@@ -2111,7 +2122,7 @@
           <a:p>
             <a:fld id="{CB1A9A4B-8109-4FCA-A4B8-DC1246F1A173}" type="datetimeFigureOut">
               <a:rPr lang="zh-TW" altLang="en-US" smtClean="0"/>
-              <a:t>2021/3/5</a:t>
+              <a:t>2021/3/6</a:t>
             </a:fld>
             <a:endParaRPr lang="zh-TW" altLang="en-US"/>
           </a:p>
@@ -2214,10 +2225,9 @@
           </a:lstStyle>
           <a:p>
             <a:r>
-              <a:rPr lang="zh-TW" altLang="en-US" smtClean="0"/>
+              <a:rPr lang="zh-TW" altLang="en-US"/>
               <a:t>按一下以編輯母片標題樣式</a:t>
             </a:r>
-            <a:endParaRPr lang="zh-TW" altLang="en-US"/>
           </a:p>
         </p:txBody>
       </p:sp>
@@ -2341,7 +2351,7 @@
           <a:p>
             <a:pPr lvl="0"/>
             <a:r>
-              <a:rPr lang="zh-TW" altLang="en-US" smtClean="0"/>
+              <a:rPr lang="zh-TW" altLang="en-US"/>
               <a:t>編輯母片文字樣式</a:t>
             </a:r>
           </a:p>
@@ -2364,7 +2374,7 @@
           <a:p>
             <a:fld id="{CB1A9A4B-8109-4FCA-A4B8-DC1246F1A173}" type="datetimeFigureOut">
               <a:rPr lang="zh-TW" altLang="en-US" smtClean="0"/>
-              <a:t>2021/3/5</a:t>
+              <a:t>2021/3/6</a:t>
             </a:fld>
             <a:endParaRPr lang="zh-TW" altLang="en-US"/>
           </a:p>
@@ -2473,10 +2483,9 @@
           <a:lstStyle/>
           <a:p>
             <a:r>
-              <a:rPr lang="zh-TW" altLang="en-US" smtClean="0"/>
+              <a:rPr lang="zh-TW" altLang="en-US"/>
               <a:t>按一下以編輯母片標題樣式</a:t>
             </a:r>
-            <a:endParaRPr lang="zh-TW" altLang="en-US"/>
           </a:p>
         </p:txBody>
       </p:sp>
@@ -2507,38 +2516,37 @@
           <a:p>
             <a:pPr lvl="0"/>
             <a:r>
-              <a:rPr lang="zh-TW" altLang="en-US" smtClean="0"/>
+              <a:rPr lang="zh-TW" altLang="en-US"/>
               <a:t>編輯母片文字樣式</a:t>
             </a:r>
           </a:p>
           <a:p>
             <a:pPr lvl="1"/>
             <a:r>
-              <a:rPr lang="zh-TW" altLang="en-US" smtClean="0"/>
+              <a:rPr lang="zh-TW" altLang="en-US"/>
               <a:t>第二層</a:t>
             </a:r>
           </a:p>
           <a:p>
             <a:pPr lvl="2"/>
             <a:r>
-              <a:rPr lang="zh-TW" altLang="en-US" smtClean="0"/>
+              <a:rPr lang="zh-TW" altLang="en-US"/>
               <a:t>第三層</a:t>
             </a:r>
           </a:p>
           <a:p>
             <a:pPr lvl="3"/>
             <a:r>
-              <a:rPr lang="zh-TW" altLang="en-US" smtClean="0"/>
+              <a:rPr lang="zh-TW" altLang="en-US"/>
               <a:t>第四層</a:t>
             </a:r>
           </a:p>
           <a:p>
             <a:pPr lvl="4"/>
             <a:r>
-              <a:rPr lang="zh-TW" altLang="en-US" smtClean="0"/>
+              <a:rPr lang="zh-TW" altLang="en-US"/>
               <a:t>第五層</a:t>
             </a:r>
-            <a:endParaRPr lang="zh-TW" altLang="en-US"/>
           </a:p>
         </p:txBody>
       </p:sp>
@@ -2577,7 +2585,7 @@
           <a:p>
             <a:fld id="{CB1A9A4B-8109-4FCA-A4B8-DC1246F1A173}" type="datetimeFigureOut">
               <a:rPr lang="zh-TW" altLang="en-US" smtClean="0"/>
-              <a:t>2021/3/5</a:t>
+              <a:t>2021/3/6</a:t>
             </a:fld>
             <a:endParaRPr lang="zh-TW" altLang="en-US"/>
           </a:p>
@@ -2998,11 +3006,11 @@
           <a:lstStyle/>
           <a:p>
             <a:r>
-              <a:rPr lang="en-US" altLang="zh-TW" dirty="0" smtClean="0"/>
+              <a:rPr lang="en-US" altLang="zh-TW" dirty="0"/>
               <a:t>Hw1 </a:t>
             </a:r>
             <a:r>
-              <a:rPr lang="en-US" altLang="zh-TW" dirty="0" err="1" smtClean="0"/>
+              <a:rPr lang="en-US" altLang="zh-TW" dirty="0" err="1"/>
               <a:t>openCV</a:t>
             </a:r>
             <a:endParaRPr lang="zh-TW" altLang="en-US" dirty="0"/>
@@ -3029,64 +3037,50 @@
                 <a:latin typeface="微軟正黑體" panose="020B0604030504040204" pitchFamily="34" charset="-120"/>
                 <a:ea typeface="微軟正黑體" panose="020B0604030504040204" pitchFamily="34" charset="-120"/>
               </a:rPr>
-              <a:t>電</a:t>
-            </a:r>
-            <a:r>
-              <a:rPr lang="zh-TW" altLang="en-US" dirty="0" smtClean="0">
-                <a:latin typeface="微軟正黑體" panose="020B0604030504040204" pitchFamily="34" charset="-120"/>
-                <a:ea typeface="微軟正黑體" panose="020B0604030504040204" pitchFamily="34" charset="-120"/>
-              </a:rPr>
-              <a:t>資二 </a:t>
-            </a:r>
-            <a:r>
-              <a:rPr lang="en-US" altLang="zh-TW" dirty="0" smtClean="0">
+              <a:t>電資二 </a:t>
+            </a:r>
+            <a:r>
+              <a:rPr lang="en-US" altLang="zh-TW" dirty="0">
                 <a:latin typeface="微軟正黑體" panose="020B0604030504040204" pitchFamily="34" charset="-120"/>
                 <a:ea typeface="微軟正黑體" panose="020B0604030504040204" pitchFamily="34" charset="-120"/>
               </a:rPr>
               <a:t>108820001</a:t>
             </a:r>
             <a:r>
-              <a:rPr lang="zh-TW" altLang="en-US" dirty="0" smtClean="0">
+              <a:rPr lang="zh-TW" altLang="en-US" dirty="0">
                 <a:latin typeface="微軟正黑體" panose="020B0604030504040204" pitchFamily="34" charset="-120"/>
                 <a:ea typeface="微軟正黑體" panose="020B0604030504040204" pitchFamily="34" charset="-120"/>
               </a:rPr>
               <a:t> 羅羽軒</a:t>
             </a:r>
-            <a:endParaRPr lang="en-US" altLang="zh-TW" dirty="0" smtClean="0">
+            <a:endParaRPr lang="en-US" altLang="zh-TW" dirty="0">
               <a:latin typeface="微軟正黑體" panose="020B0604030504040204" pitchFamily="34" charset="-120"/>
               <a:ea typeface="微軟正黑體" panose="020B0604030504040204" pitchFamily="34" charset="-120"/>
             </a:endParaRPr>
           </a:p>
           <a:p>
             <a:r>
-              <a:rPr lang="zh-TW" altLang="en-US" dirty="0" smtClean="0">
+              <a:rPr lang="zh-TW" altLang="en-US" dirty="0">
                 <a:latin typeface="微軟正黑體" panose="020B0604030504040204" pitchFamily="34" charset="-120"/>
                 <a:ea typeface="微軟正黑體" panose="020B0604030504040204" pitchFamily="34" charset="-120"/>
               </a:rPr>
               <a:t>電資二 </a:t>
             </a:r>
             <a:r>
-              <a:rPr lang="en-US" altLang="zh-TW" dirty="0" smtClean="0">
+              <a:rPr lang="en-US" altLang="zh-TW" dirty="0">
                 <a:latin typeface="微軟正黑體" panose="020B0604030504040204" pitchFamily="34" charset="-120"/>
                 <a:ea typeface="微軟正黑體" panose="020B0604030504040204" pitchFamily="34" charset="-120"/>
               </a:rPr>
               <a:t>108820015</a:t>
             </a:r>
             <a:r>
-              <a:rPr lang="zh-TW" altLang="en-US" dirty="0" smtClean="0">
-                <a:latin typeface="微軟正黑體" panose="020B0604030504040204" pitchFamily="34" charset="-120"/>
-                <a:ea typeface="微軟正黑體" panose="020B0604030504040204" pitchFamily="34" charset="-120"/>
-              </a:rPr>
-              <a:t> </a:t>
-            </a:r>
-            <a:r>
               <a:rPr lang="zh-TW" altLang="en-US" dirty="0">
                 <a:latin typeface="微軟正黑體" panose="020B0604030504040204" pitchFamily="34" charset="-120"/>
                 <a:ea typeface="微軟正黑體" panose="020B0604030504040204" pitchFamily="34" charset="-120"/>
               </a:rPr>
-              <a:t>周雨柔</a:t>
-            </a:r>
-            <a:endParaRPr lang="en-US" altLang="zh-TW" dirty="0" smtClean="0">
+              <a:t> 周雨柔</a:t>
+            </a:r>
+            <a:endParaRPr lang="en-US" altLang="zh-TW" dirty="0">
               <a:latin typeface="微軟正黑體" panose="020B0604030504040204" pitchFamily="34" charset="-120"/>
               <a:ea typeface="微軟正黑體" panose="020B0604030504040204" pitchFamily="34" charset="-120"/>
             </a:endParaRPr>
@@ -3145,7 +3139,7 @@
           <a:lstStyle/>
           <a:p>
             <a:r>
-              <a:rPr lang="en-US" altLang="zh-TW" dirty="0" err="1" smtClean="0"/>
+              <a:rPr lang="en-US" altLang="zh-TW" dirty="0" err="1"/>
               <a:t>img_B</a:t>
             </a:r>
             <a:endParaRPr lang="zh-TW" altLang="en-US" dirty="0"/>
@@ -3232,16 +3226,12 @@
           <a:lstStyle/>
           <a:p>
             <a:r>
-              <a:rPr lang="zh-TW" altLang="en-US" dirty="0" smtClean="0">
+              <a:rPr lang="zh-TW" altLang="en-US" dirty="0">
                 <a:latin typeface="微軟正黑體" panose="020B0604030504040204" pitchFamily="34" charset="-120"/>
                 <a:ea typeface="微軟正黑體" panose="020B0604030504040204" pitchFamily="34" charset="-120"/>
               </a:rPr>
               <a:t>繪製圖形</a:t>
             </a:r>
-            <a:endParaRPr lang="zh-TW" altLang="en-US" dirty="0">
-              <a:latin typeface="微軟正黑體" panose="020B0604030504040204" pitchFamily="34" charset="-120"/>
-              <a:ea typeface="微軟正黑體" panose="020B0604030504040204" pitchFamily="34" charset="-120"/>
-            </a:endParaRPr>
           </a:p>
         </p:txBody>
       </p:sp>
@@ -3352,7 +3342,7 @@
             <a:pPr marL="0" indent="0">
               <a:buNone/>
             </a:pPr>
-            <a:endParaRPr lang="en-US" altLang="zh-TW" dirty="0" smtClean="0">
+            <a:endParaRPr lang="en-US" altLang="zh-TW" dirty="0">
               <a:solidFill>
                 <a:srgbClr val="D4D4D4"/>
               </a:solidFill>
@@ -4422,7 +4412,25 @@
                 </a:solidFill>
                 <a:latin typeface="Consolas" panose="020B0609020204030204" pitchFamily="49" charset="0"/>
               </a:rPr>
-              <a:t>"./picture1.jpg"</a:t>
+              <a:t>"./</a:t>
+            </a:r>
+            <a:r>
+              <a:rPr lang="en-US" altLang="zh-TW" dirty="0" smtClean="0">
+                <a:solidFill>
+                  <a:srgbClr val="A31515"/>
+                </a:solidFill>
+                <a:latin typeface="Consolas" panose="020B0609020204030204" pitchFamily="49" charset="0"/>
+              </a:rPr>
+              <a:t>picture.jpg</a:t>
+            </a:r>
+            <a:r>
+              <a:rPr lang="en-US" altLang="zh-TW" dirty="0">
+                <a:solidFill>
+                  <a:srgbClr val="A31515"/>
+                </a:solidFill>
+                <a:latin typeface="Consolas" panose="020B0609020204030204" pitchFamily="49" charset="0"/>
+              </a:rPr>
+              <a:t>"</a:t>
             </a:r>
             <a:r>
               <a:rPr lang="en-US" altLang="zh-TW" dirty="0">
@@ -4507,18 +4515,18 @@
           <a:lstStyle/>
           <a:p>
             <a:r>
-              <a:rPr lang="zh-TW" altLang="en-US" dirty="0" smtClean="0">
+              <a:rPr lang="zh-TW" altLang="en-US" dirty="0">
                 <a:latin typeface="微軟正黑體" panose="020B0604030504040204" pitchFamily="34" charset="-120"/>
                 <a:ea typeface="微軟正黑體" panose="020B0604030504040204" pitchFamily="34" charset="-120"/>
               </a:rPr>
               <a:t>執行結果</a:t>
             </a:r>
             <a:r>
-              <a:rPr lang="zh-TW" altLang="en-US" dirty="0" smtClean="0"/>
+              <a:rPr lang="zh-TW" altLang="en-US" dirty="0"/>
               <a:t> </a:t>
             </a:r>
             <a:r>
-              <a:rPr lang="en-US" altLang="zh-TW" dirty="0" smtClean="0"/>
+              <a:rPr lang="en-US" altLang="zh-TW" dirty="0"/>
               <a:t>picture.jpg</a:t>
             </a:r>
             <a:endParaRPr lang="zh-TW" altLang="en-US" dirty="0"/>
@@ -4600,16 +4608,12 @@
           <a:lstStyle/>
           <a:p>
             <a:r>
-              <a:rPr lang="zh-TW" altLang="en-US" dirty="0" smtClean="0">
+              <a:rPr lang="zh-TW" altLang="en-US" dirty="0">
                 <a:latin typeface="微軟正黑體" panose="020B0604030504040204" pitchFamily="34" charset="-120"/>
                 <a:ea typeface="微軟正黑體" panose="020B0604030504040204" pitchFamily="34" charset="-120"/>
               </a:rPr>
               <a:t>遇到的困難</a:t>
             </a:r>
-            <a:endParaRPr lang="zh-TW" altLang="en-US" dirty="0">
-              <a:latin typeface="微軟正黑體" panose="020B0604030504040204" pitchFamily="34" charset="-120"/>
-              <a:ea typeface="微軟正黑體" panose="020B0604030504040204" pitchFamily="34" charset="-120"/>
-            </a:endParaRPr>
           </a:p>
         </p:txBody>
       </p:sp>
@@ -4642,151 +4646,144 @@
               <a:buNone/>
             </a:pPr>
             <a:r>
-              <a:rPr lang="en-US" altLang="zh-TW" dirty="0" smtClean="0"/>
+              <a:rPr lang="en-US" altLang="zh-TW" dirty="0"/>
               <a:t>	</a:t>
             </a:r>
             <a:r>
-              <a:rPr lang="zh-TW" altLang="en-US" dirty="0" smtClean="0">
+              <a:rPr lang="zh-TW" altLang="en-US" dirty="0">
                 <a:latin typeface="微軟正黑體" panose="020B0604030504040204" pitchFamily="34" charset="-120"/>
                 <a:ea typeface="微軟正黑體" panose="020B0604030504040204" pitchFamily="34" charset="-120"/>
               </a:rPr>
               <a:t>第一次使用 </a:t>
             </a:r>
             <a:r>
-              <a:rPr lang="en-US" altLang="zh-TW" dirty="0" err="1" smtClean="0">
+              <a:rPr lang="en-US" altLang="zh-TW" dirty="0" err="1">
                 <a:latin typeface="微軟正黑體" panose="020B0604030504040204" pitchFamily="34" charset="-120"/>
                 <a:ea typeface="微軟正黑體" panose="020B0604030504040204" pitchFamily="34" charset="-120"/>
               </a:rPr>
               <a:t>cmd</a:t>
             </a:r>
             <a:r>
-              <a:rPr lang="zh-TW" altLang="en-US" dirty="0" smtClean="0">
+              <a:rPr lang="zh-TW" altLang="en-US" dirty="0">
                 <a:latin typeface="微軟正黑體" panose="020B0604030504040204" pitchFamily="34" charset="-120"/>
                 <a:ea typeface="微軟正黑體" panose="020B0604030504040204" pitchFamily="34" charset="-120"/>
               </a:rPr>
               <a:t> 作為 </a:t>
             </a:r>
             <a:r>
-              <a:rPr lang="en-US" altLang="zh-TW" dirty="0" smtClean="0">
+              <a:rPr lang="en-US" altLang="zh-TW" dirty="0">
                 <a:latin typeface="微軟正黑體" panose="020B0604030504040204" pitchFamily="34" charset="-120"/>
                 <a:ea typeface="微軟正黑體" panose="020B0604030504040204" pitchFamily="34" charset="-120"/>
               </a:rPr>
               <a:t>terminal </a:t>
             </a:r>
             <a:r>
-              <a:rPr lang="zh-TW" altLang="en-US" dirty="0" smtClean="0">
+              <a:rPr lang="zh-TW" altLang="en-US" dirty="0">
                 <a:latin typeface="微軟正黑體" panose="020B0604030504040204" pitchFamily="34" charset="-120"/>
                 <a:ea typeface="微軟正黑體" panose="020B0604030504040204" pitchFamily="34" charset="-120"/>
               </a:rPr>
               <a:t>跑程式，許多指令和 </a:t>
             </a:r>
             <a:r>
-              <a:rPr lang="en-US" altLang="zh-TW" dirty="0" err="1" smtClean="0">
+              <a:rPr lang="en-US" altLang="zh-TW" dirty="0" err="1">
                 <a:latin typeface="微軟正黑體" panose="020B0604030504040204" pitchFamily="34" charset="-120"/>
                 <a:ea typeface="微軟正黑體" panose="020B0604030504040204" pitchFamily="34" charset="-120"/>
               </a:rPr>
               <a:t>linux</a:t>
             </a:r>
             <a:r>
-              <a:rPr lang="en-US" altLang="zh-TW" dirty="0" smtClean="0">
+              <a:rPr lang="en-US" altLang="zh-TW" dirty="0">
                 <a:latin typeface="微軟正黑體" panose="020B0604030504040204" pitchFamily="34" charset="-120"/>
                 <a:ea typeface="微軟正黑體" panose="020B0604030504040204" pitchFamily="34" charset="-120"/>
               </a:rPr>
               <a:t> </a:t>
             </a:r>
             <a:r>
-              <a:rPr lang="zh-TW" altLang="en-US" dirty="0" smtClean="0">
+              <a:rPr lang="zh-TW" altLang="en-US" dirty="0">
                 <a:latin typeface="微軟正黑體" panose="020B0604030504040204" pitchFamily="34" charset="-120"/>
                 <a:ea typeface="微軟正黑體" panose="020B0604030504040204" pitchFamily="34" charset="-120"/>
               </a:rPr>
               <a:t>架構不同，像是我們經常使用的 </a:t>
             </a:r>
             <a:r>
-              <a:rPr lang="en-US" altLang="zh-TW" dirty="0" smtClean="0">
+              <a:rPr lang="en-US" altLang="zh-TW" dirty="0">
                 <a:latin typeface="微軟正黑體" panose="020B0604030504040204" pitchFamily="34" charset="-120"/>
                 <a:ea typeface="微軟正黑體" panose="020B0604030504040204" pitchFamily="34" charset="-120"/>
               </a:rPr>
               <a:t>ls </a:t>
             </a:r>
             <a:r>
-              <a:rPr lang="zh-TW" altLang="en-US" dirty="0" smtClean="0">
-                <a:latin typeface="微軟正黑體" panose="020B0604030504040204" pitchFamily="34" charset="-120"/>
-                <a:ea typeface="微軟正黑體" panose="020B0604030504040204" pitchFamily="34" charset="-120"/>
-              </a:rPr>
-              <a:t>指令在</a:t>
-            </a:r>
-            <a:r>
               <a:rPr lang="zh-TW" altLang="en-US" dirty="0">
                 <a:latin typeface="微軟正黑體" panose="020B0604030504040204" pitchFamily="34" charset="-120"/>
                 <a:ea typeface="微軟正黑體" panose="020B0604030504040204" pitchFamily="34" charset="-120"/>
               </a:rPr>
+              <a:t>指令在 </a:t>
+            </a:r>
+            <a:r>
+              <a:rPr lang="en-US" altLang="zh-TW" dirty="0" err="1">
+                <a:latin typeface="微軟正黑體" panose="020B0604030504040204" pitchFamily="34" charset="-120"/>
+                <a:ea typeface="微軟正黑體" panose="020B0604030504040204" pitchFamily="34" charset="-120"/>
+              </a:rPr>
+              <a:t>cmd</a:t>
+            </a:r>
+            <a:r>
+              <a:rPr lang="en-US" altLang="zh-TW" dirty="0">
+                <a:latin typeface="微軟正黑體" panose="020B0604030504040204" pitchFamily="34" charset="-120"/>
+                <a:ea typeface="微軟正黑體" panose="020B0604030504040204" pitchFamily="34" charset="-120"/>
+              </a:rPr>
               <a:t> </a:t>
             </a:r>
             <a:r>
-              <a:rPr lang="en-US" altLang="zh-TW" dirty="0" err="1" smtClean="0">
+              <a:rPr lang="zh-TW" altLang="en-US" dirty="0">
+                <a:latin typeface="微軟正黑體" panose="020B0604030504040204" pitchFamily="34" charset="-120"/>
+                <a:ea typeface="微軟正黑體" panose="020B0604030504040204" pitchFamily="34" charset="-120"/>
+              </a:rPr>
+              <a:t>就不存在，讓我在切換到工作目錄時花了一些時間，最後發現有更快速的方法是直接在工作目錄的位址欄輸入 </a:t>
+            </a:r>
+            <a:r>
+              <a:rPr lang="en-US" altLang="zh-TW" dirty="0" err="1">
                 <a:latin typeface="微軟正黑體" panose="020B0604030504040204" pitchFamily="34" charset="-120"/>
                 <a:ea typeface="微軟正黑體" panose="020B0604030504040204" pitchFamily="34" charset="-120"/>
               </a:rPr>
               <a:t>cmd</a:t>
             </a:r>
             <a:r>
-              <a:rPr lang="en-US" altLang="zh-TW" dirty="0" smtClean="0">
+              <a:rPr lang="en-US" altLang="zh-TW" dirty="0">
                 <a:latin typeface="微軟正黑體" panose="020B0604030504040204" pitchFamily="34" charset="-120"/>
                 <a:ea typeface="微軟正黑體" panose="020B0604030504040204" pitchFamily="34" charset="-120"/>
               </a:rPr>
               <a:t> </a:t>
             </a:r>
             <a:r>
-              <a:rPr lang="zh-TW" altLang="en-US" dirty="0" smtClean="0">
-                <a:latin typeface="微軟正黑體" panose="020B0604030504040204" pitchFamily="34" charset="-120"/>
-                <a:ea typeface="微軟正黑體" panose="020B0604030504040204" pitchFamily="34" charset="-120"/>
-              </a:rPr>
-              <a:t>就不存在，讓我在切換到工作目錄時花了一些時間，最後發現有更快速的方法是直接在工作目錄的位址欄輸入 </a:t>
-            </a:r>
-            <a:r>
-              <a:rPr lang="en-US" altLang="zh-TW" dirty="0" err="1" smtClean="0">
-                <a:latin typeface="微軟正黑體" panose="020B0604030504040204" pitchFamily="34" charset="-120"/>
-                <a:ea typeface="微軟正黑體" panose="020B0604030504040204" pitchFamily="34" charset="-120"/>
-              </a:rPr>
-              <a:t>cmd</a:t>
-            </a:r>
-            <a:r>
-              <a:rPr lang="en-US" altLang="zh-TW" dirty="0" smtClean="0">
+              <a:rPr lang="zh-TW" altLang="en-US" dirty="0">
+                <a:latin typeface="微軟正黑體" panose="020B0604030504040204" pitchFamily="34" charset="-120"/>
+                <a:ea typeface="微軟正黑體" panose="020B0604030504040204" pitchFamily="34" charset="-120"/>
+              </a:rPr>
+              <a:t>或 </a:t>
+            </a:r>
+            <a:r>
+              <a:rPr lang="en-US" altLang="zh-TW" dirty="0" err="1">
+                <a:latin typeface="微軟正黑體" panose="020B0604030504040204" pitchFamily="34" charset="-120"/>
+                <a:ea typeface="微軟正黑體" panose="020B0604030504040204" pitchFamily="34" charset="-120"/>
+              </a:rPr>
+              <a:t>powershell</a:t>
+            </a:r>
+            <a:r>
+              <a:rPr lang="en-US" altLang="zh-TW" dirty="0">
                 <a:latin typeface="微軟正黑體" panose="020B0604030504040204" pitchFamily="34" charset="-120"/>
                 <a:ea typeface="微軟正黑體" panose="020B0604030504040204" pitchFamily="34" charset="-120"/>
               </a:rPr>
               <a:t> </a:t>
             </a:r>
             <a:r>
-              <a:rPr lang="zh-TW" altLang="en-US" dirty="0" smtClean="0">
-                <a:latin typeface="微軟正黑體" panose="020B0604030504040204" pitchFamily="34" charset="-120"/>
-                <a:ea typeface="微軟正黑體" panose="020B0604030504040204" pitchFamily="34" charset="-120"/>
-              </a:rPr>
-              <a:t>或 </a:t>
-            </a:r>
-            <a:r>
-              <a:rPr lang="en-US" altLang="zh-TW" dirty="0" err="1" smtClean="0">
-                <a:latin typeface="微軟正黑體" panose="020B0604030504040204" pitchFamily="34" charset="-120"/>
-                <a:ea typeface="微軟正黑體" panose="020B0604030504040204" pitchFamily="34" charset="-120"/>
-              </a:rPr>
-              <a:t>powershell</a:t>
-            </a:r>
-            <a:r>
-              <a:rPr lang="en-US" altLang="zh-TW" dirty="0" smtClean="0">
-                <a:latin typeface="微軟正黑體" panose="020B0604030504040204" pitchFamily="34" charset="-120"/>
-                <a:ea typeface="微軟正黑體" panose="020B0604030504040204" pitchFamily="34" charset="-120"/>
-              </a:rPr>
-              <a:t> </a:t>
-            </a:r>
-            <a:r>
-              <a:rPr lang="zh-TW" altLang="en-US" dirty="0" smtClean="0">
+              <a:rPr lang="zh-TW" altLang="en-US" dirty="0">
                 <a:latin typeface="微軟正黑體" panose="020B0604030504040204" pitchFamily="34" charset="-120"/>
                 <a:ea typeface="微軟正黑體" panose="020B0604030504040204" pitchFamily="34" charset="-120"/>
               </a:rPr>
               <a:t>就能在此路徑開啟 </a:t>
             </a:r>
             <a:r>
-              <a:rPr lang="en-US" altLang="zh-TW" dirty="0" smtClean="0">
+              <a:rPr lang="en-US" altLang="zh-TW" dirty="0">
                 <a:latin typeface="微軟正黑體" panose="020B0604030504040204" pitchFamily="34" charset="-120"/>
                 <a:ea typeface="微軟正黑體" panose="020B0604030504040204" pitchFamily="34" charset="-120"/>
               </a:rPr>
@@ -4797,65 +4794,44 @@
                 <a:latin typeface="微軟正黑體" panose="020B0604030504040204" pitchFamily="34" charset="-120"/>
                 <a:ea typeface="微軟正黑體" panose="020B0604030504040204" pitchFamily="34" charset="-120"/>
               </a:rPr>
-              <a:t>。</a:t>
-            </a:r>
-            <a:r>
-              <a:rPr lang="zh-TW" altLang="en-US" dirty="0" smtClean="0">
-                <a:latin typeface="微軟正黑體" panose="020B0604030504040204" pitchFamily="34" charset="-120"/>
-                <a:ea typeface="微軟正黑體" panose="020B0604030504040204" pitchFamily="34" charset="-120"/>
-              </a:rPr>
-              <a:t>至於安裝</a:t>
-            </a:r>
-            <a:r>
-              <a:rPr lang="en-US" altLang="zh-TW" dirty="0" smtClean="0">
+              <a:t>。至於安裝</a:t>
+            </a:r>
+            <a:r>
+              <a:rPr lang="en-US" altLang="zh-TW" dirty="0">
                 <a:latin typeface="微軟正黑體" panose="020B0604030504040204" pitchFamily="34" charset="-120"/>
                 <a:ea typeface="微軟正黑體" panose="020B0604030504040204" pitchFamily="34" charset="-120"/>
               </a:rPr>
               <a:t>python, </a:t>
             </a:r>
             <a:r>
-              <a:rPr lang="en-US" altLang="zh-TW" dirty="0" err="1" smtClean="0">
+              <a:rPr lang="en-US" altLang="zh-TW" dirty="0" err="1">
                 <a:latin typeface="微軟正黑體" panose="020B0604030504040204" pitchFamily="34" charset="-120"/>
                 <a:ea typeface="微軟正黑體" panose="020B0604030504040204" pitchFamily="34" charset="-120"/>
               </a:rPr>
               <a:t>openCV</a:t>
             </a:r>
             <a:r>
-              <a:rPr lang="zh-TW" altLang="en-US" dirty="0" smtClean="0">
+              <a:rPr lang="zh-TW" altLang="en-US" dirty="0">
                 <a:latin typeface="微軟正黑體" panose="020B0604030504040204" pitchFamily="34" charset="-120"/>
                 <a:ea typeface="微軟正黑體" panose="020B0604030504040204" pitchFamily="34" charset="-120"/>
               </a:rPr>
               <a:t>，還有編寫程式都沒遇到什麼大困難，但暫時不太清楚編輯器選 </a:t>
             </a:r>
             <a:r>
-              <a:rPr lang="en-US" altLang="zh-TW" dirty="0" smtClean="0">
+              <a:rPr lang="en-US" altLang="zh-TW" dirty="0">
                 <a:latin typeface="微軟正黑體" panose="020B0604030504040204" pitchFamily="34" charset="-120"/>
                 <a:ea typeface="微軟正黑體" panose="020B0604030504040204" pitchFamily="34" charset="-120"/>
               </a:rPr>
               <a:t>notepad++</a:t>
             </a:r>
             <a:r>
-              <a:rPr lang="zh-TW" altLang="en-US" dirty="0" smtClean="0">
-                <a:latin typeface="微軟正黑體" panose="020B0604030504040204" pitchFamily="34" charset="-120"/>
-                <a:ea typeface="微軟正黑體" panose="020B0604030504040204" pitchFamily="34" charset="-120"/>
-              </a:rPr>
-              <a:t> </a:t>
-            </a:r>
-            <a:r>
               <a:rPr lang="zh-TW" altLang="en-US" dirty="0">
                 <a:latin typeface="微軟正黑體" panose="020B0604030504040204" pitchFamily="34" charset="-120"/>
                 <a:ea typeface="微軟正黑體" panose="020B0604030504040204" pitchFamily="34" charset="-120"/>
               </a:rPr>
-              <a:t>的</a:t>
-            </a:r>
-            <a:r>
-              <a:rPr lang="zh-TW" altLang="en-US" dirty="0" smtClean="0">
-                <a:latin typeface="微軟正黑體" panose="020B0604030504040204" pitchFamily="34" charset="-120"/>
-                <a:ea typeface="微軟正黑體" panose="020B0604030504040204" pitchFamily="34" charset="-120"/>
-              </a:rPr>
-              <a:t>好處，因為許多快捷鍵在這裡嘗試都沒有效果。</a:t>
-            </a:r>
-            <a:endParaRPr lang="en-US" altLang="zh-TW" dirty="0" smtClean="0">
+              <a:t> 的好處，因為許多快捷鍵在這裡嘗試都沒有效果。</a:t>
+            </a:r>
+            <a:endParaRPr lang="en-US" altLang="zh-TW" dirty="0">
               <a:latin typeface="微軟正黑體" panose="020B0604030504040204" pitchFamily="34" charset="-120"/>
               <a:ea typeface="微軟正黑體" panose="020B0604030504040204" pitchFamily="34" charset="-120"/>
             </a:endParaRPr>
@@ -4868,23 +4844,19 @@
               <a:buNone/>
             </a:pPr>
             <a:r>
-              <a:rPr lang="en-US" altLang="zh-TW" dirty="0" smtClean="0">
+              <a:rPr lang="en-US" altLang="zh-TW" dirty="0">
                 <a:latin typeface="微軟正黑體" panose="020B0604030504040204" pitchFamily="34" charset="-120"/>
                 <a:ea typeface="微軟正黑體" panose="020B0604030504040204" pitchFamily="34" charset="-120"/>
               </a:rPr>
               <a:t>108820001 </a:t>
             </a:r>
             <a:r>
-              <a:rPr lang="zh-TW" altLang="en-US" dirty="0" smtClean="0">
+              <a:rPr lang="zh-TW" altLang="en-US" dirty="0">
                 <a:latin typeface="微軟正黑體" panose="020B0604030504040204" pitchFamily="34" charset="-120"/>
                 <a:ea typeface="微軟正黑體" panose="020B0604030504040204" pitchFamily="34" charset="-120"/>
               </a:rPr>
               <a:t>羅羽軒</a:t>
             </a:r>
-            <a:endParaRPr lang="zh-TW" altLang="en-US" dirty="0">
-              <a:latin typeface="微軟正黑體" panose="020B0604030504040204" pitchFamily="34" charset="-120"/>
-              <a:ea typeface="微軟正黑體" panose="020B0604030504040204" pitchFamily="34" charset="-120"/>
-            </a:endParaRPr>
           </a:p>
         </p:txBody>
       </p:sp>
@@ -4934,16 +4906,12 @@
           <a:lstStyle/>
           <a:p>
             <a:r>
-              <a:rPr lang="zh-TW" altLang="en-US" dirty="0" smtClean="0">
+              <a:rPr lang="zh-TW" altLang="en-US" dirty="0">
                 <a:latin typeface="微軟正黑體" panose="020B0604030504040204" pitchFamily="34" charset="-120"/>
                 <a:ea typeface="微軟正黑體" panose="020B0604030504040204" pitchFamily="34" charset="-120"/>
               </a:rPr>
               <a:t>遇到的困難</a:t>
             </a:r>
-            <a:endParaRPr lang="zh-TW" altLang="en-US" dirty="0">
-              <a:latin typeface="微軟正黑體" panose="020B0604030504040204" pitchFamily="34" charset="-120"/>
-              <a:ea typeface="微軟正黑體" panose="020B0604030504040204" pitchFamily="34" charset="-120"/>
-            </a:endParaRPr>
           </a:p>
         </p:txBody>
       </p:sp>
@@ -4976,9 +4944,95 @@
               <a:buNone/>
             </a:pPr>
             <a:r>
-              <a:rPr lang="en-US" altLang="zh-TW" smtClean="0"/>
+              <a:rPr lang="en-US" altLang="zh-TW" dirty="0"/>
               <a:t>	</a:t>
             </a:r>
+            <a:r>
+              <a:rPr lang="zh-TW" altLang="en-US" sz="2600" dirty="0">
+                <a:latin typeface="微軟正黑體" panose="020B0604030504040204" pitchFamily="34" charset="-120"/>
+                <a:ea typeface="微軟正黑體" panose="020B0604030504040204" pitchFamily="34" charset="-120"/>
+              </a:rPr>
+              <a:t>一開始我把前面講解常用語法的符號「</a:t>
+            </a:r>
+            <a:r>
+              <a:rPr lang="en-US" altLang="zh-TW" sz="2600" dirty="0">
+                <a:latin typeface="微軟正黑體" panose="020B0604030504040204" pitchFamily="34" charset="-120"/>
+                <a:ea typeface="微軟正黑體" panose="020B0604030504040204" pitchFamily="34" charset="-120"/>
+              </a:rPr>
+              <a:t>&lt;&gt;</a:t>
+            </a:r>
+            <a:r>
+              <a:rPr lang="zh-TW" altLang="en-US" sz="2600" dirty="0">
+                <a:latin typeface="微軟正黑體" panose="020B0604030504040204" pitchFamily="34" charset="-120"/>
+                <a:ea typeface="微軟正黑體" panose="020B0604030504040204" pitchFamily="34" charset="-120"/>
+              </a:rPr>
+              <a:t>」都打進程式，還在想這怎麼好像在寫</a:t>
+            </a:r>
+            <a:r>
+              <a:rPr lang="en-US" altLang="zh-TW" sz="2600" dirty="0">
+                <a:latin typeface="微軟正黑體" panose="020B0604030504040204" pitchFamily="34" charset="-120"/>
+                <a:ea typeface="微軟正黑體" panose="020B0604030504040204" pitchFamily="34" charset="-120"/>
+              </a:rPr>
+              <a:t>html</a:t>
+            </a:r>
+            <a:r>
+              <a:rPr lang="zh-TW" altLang="en-US" sz="2600" dirty="0">
+                <a:latin typeface="微軟正黑體" panose="020B0604030504040204" pitchFamily="34" charset="-120"/>
+                <a:ea typeface="微軟正黑體" panose="020B0604030504040204" pitchFamily="34" charset="-120"/>
+              </a:rPr>
+              <a:t>，後來仔細看了後面簡報中附的程式碼截圖，才發現我搞錯了，趕緊回去修正這個烏龍的符號。另外，我覺得在將</a:t>
+            </a:r>
+            <a:r>
+              <a:rPr lang="en-US" altLang="zh-TW" sz="2600" dirty="0">
+                <a:latin typeface="微軟正黑體" panose="020B0604030504040204" pitchFamily="34" charset="-120"/>
+                <a:ea typeface="微軟正黑體" panose="020B0604030504040204" pitchFamily="34" charset="-120"/>
+              </a:rPr>
+              <a:t>3</a:t>
+            </a:r>
+            <a:r>
+              <a:rPr lang="zh-TW" altLang="en-US" sz="2600" dirty="0">
+                <a:latin typeface="微軟正黑體" panose="020B0604030504040204" pitchFamily="34" charset="-120"/>
+                <a:ea typeface="微軟正黑體" panose="020B0604030504040204" pitchFamily="34" charset="-120"/>
+              </a:rPr>
+              <a:t>通道與</a:t>
+            </a:r>
+            <a:r>
+              <a:rPr lang="en-US" altLang="zh-TW" sz="2600" dirty="0">
+                <a:latin typeface="微軟正黑體" panose="020B0604030504040204" pitchFamily="34" charset="-120"/>
+                <a:ea typeface="微軟正黑體" panose="020B0604030504040204" pitchFamily="34" charset="-120"/>
+              </a:rPr>
+              <a:t>1</a:t>
+            </a:r>
+            <a:r>
+              <a:rPr lang="zh-TW" altLang="en-US" sz="2600" dirty="0">
+                <a:latin typeface="微軟正黑體" panose="020B0604030504040204" pitchFamily="34" charset="-120"/>
+                <a:ea typeface="微軟正黑體" panose="020B0604030504040204" pitchFamily="34" charset="-120"/>
+              </a:rPr>
+              <a:t>通道的概念轉換成程式碼的部分，比較不好理解，課後還去請教了同學一會兒，才比較了解一些</a:t>
+            </a:r>
+            <a:r>
+              <a:rPr lang="zh-TW" altLang="en-US" sz="2600" dirty="0" smtClean="0">
+                <a:latin typeface="微軟正黑體" panose="020B0604030504040204" pitchFamily="34" charset="-120"/>
+                <a:ea typeface="微軟正黑體" panose="020B0604030504040204" pitchFamily="34" charset="-120"/>
+              </a:rPr>
+              <a:t>。</a:t>
+            </a:r>
+            <a:endParaRPr lang="en-US" altLang="zh-TW" sz="2600" smtClean="0">
+              <a:latin typeface="微軟正黑體" panose="020B0604030504040204" pitchFamily="34" charset="-120"/>
+              <a:ea typeface="微軟正黑體" panose="020B0604030504040204" pitchFamily="34" charset="-120"/>
+            </a:endParaRPr>
+          </a:p>
+          <a:p>
+            <a:pPr marL="0" indent="0">
+              <a:lnSpc>
+                <a:spcPct val="150000"/>
+              </a:lnSpc>
+              <a:buNone/>
+            </a:pPr>
+            <a:endParaRPr lang="en-US" altLang="zh-TW" sz="2600" dirty="0">
+              <a:latin typeface="微軟正黑體" panose="020B0604030504040204" pitchFamily="34" charset="-120"/>
+              <a:ea typeface="微軟正黑體" panose="020B0604030504040204" pitchFamily="34" charset="-120"/>
+            </a:endParaRPr>
           </a:p>
           <a:p>
             <a:pPr marL="0" indent="0" algn="r">
@@ -4988,14 +5042,14 @@
               <a:buNone/>
             </a:pPr>
             <a:r>
-              <a:rPr lang="en-US" altLang="zh-TW" dirty="0" smtClean="0">
+              <a:rPr lang="en-US" altLang="zh-TW" sz="2600" dirty="0">
                 <a:latin typeface="微軟正黑體" panose="020B0604030504040204" pitchFamily="34" charset="-120"/>
                 <a:ea typeface="微軟正黑體" panose="020B0604030504040204" pitchFamily="34" charset="-120"/>
               </a:rPr>
               <a:t>108820015 </a:t>
             </a:r>
             <a:r>
-              <a:rPr lang="zh-TW" altLang="en-US" dirty="0">
+              <a:rPr lang="zh-TW" altLang="en-US" sz="2600" dirty="0">
                 <a:latin typeface="微軟正黑體" panose="020B0604030504040204" pitchFamily="34" charset="-120"/>
                 <a:ea typeface="微軟正黑體" panose="020B0604030504040204" pitchFamily="34" charset="-120"/>
               </a:rPr>
@@ -5050,16 +5104,12 @@
           <a:lstStyle/>
           <a:p>
             <a:r>
-              <a:rPr lang="zh-TW" altLang="en-US" dirty="0" smtClean="0">
+              <a:rPr lang="zh-TW" altLang="en-US" dirty="0">
                 <a:latin typeface="微軟正黑體" panose="020B0604030504040204" pitchFamily="34" charset="-120"/>
                 <a:ea typeface="微軟正黑體" panose="020B0604030504040204" pitchFamily="34" charset="-120"/>
               </a:rPr>
               <a:t>色彩空間轉換</a:t>
             </a:r>
-            <a:endParaRPr lang="zh-TW" altLang="en-US" dirty="0">
-              <a:latin typeface="微軟正黑體" panose="020B0604030504040204" pitchFamily="34" charset="-120"/>
-              <a:ea typeface="微軟正黑體" panose="020B0604030504040204" pitchFamily="34" charset="-120"/>
-            </a:endParaRPr>
           </a:p>
         </p:txBody>
       </p:sp>
@@ -5134,23 +5184,16 @@
                 <a:latin typeface="微軟正黑體" panose="020B0604030504040204" pitchFamily="34" charset="-120"/>
                 <a:ea typeface="微軟正黑體" panose="020B0604030504040204" pitchFamily="34" charset="-120"/>
               </a:rPr>
-              <a:t>讀取</a:t>
-            </a:r>
-            <a:r>
-              <a:rPr lang="zh-TW" altLang="en-US" sz="4000" dirty="0" smtClean="0">
-                <a:latin typeface="微軟正黑體" panose="020B0604030504040204" pitchFamily="34" charset="-120"/>
-                <a:ea typeface="微軟正黑體" panose="020B0604030504040204" pitchFamily="34" charset="-120"/>
-              </a:rPr>
-              <a:t>原圖 </a:t>
-            </a:r>
-            <a:r>
-              <a:rPr lang="en-US" altLang="zh-TW" sz="4000" dirty="0" smtClean="0">
+              <a:t>讀取原圖 </a:t>
+            </a:r>
+            <a:r>
+              <a:rPr lang="en-US" altLang="zh-TW" sz="4000" dirty="0">
                 <a:ea typeface="微軟正黑體" panose="020B0604030504040204" pitchFamily="34" charset="-120"/>
               </a:rPr>
               <a:t>(cat.jpg)</a:t>
             </a:r>
             <a:br>
-              <a:rPr lang="en-US" altLang="zh-TW" sz="4000" dirty="0" smtClean="0">
+              <a:rPr lang="en-US" altLang="zh-TW" sz="4000" dirty="0">
                 <a:ea typeface="微軟正黑體" panose="020B0604030504040204" pitchFamily="34" charset="-120"/>
               </a:rPr>
             </a:br>
@@ -5164,13 +5207,7 @@
               <a:rPr lang="en-US" altLang="zh-TW" sz="4000" dirty="0">
                 <a:ea typeface="微軟正黑體" panose="020B0604030504040204" pitchFamily="34" charset="-120"/>
               </a:rPr>
-              <a:t> = cv2.imread("./cat.jpg</a:t>
-            </a:r>
-            <a:r>
-              <a:rPr lang="en-US" altLang="zh-TW" sz="4000" dirty="0" smtClean="0">
-                <a:ea typeface="微軟正黑體" panose="020B0604030504040204" pitchFamily="34" charset="-120"/>
-              </a:rPr>
-              <a:t>")</a:t>
+              <a:t> = cv2.imread("./cat.jpg")</a:t>
             </a:r>
             <a:endParaRPr lang="zh-TW" altLang="en-US" sz="4000" dirty="0">
               <a:ea typeface="微軟正黑體" panose="020B0604030504040204" pitchFamily="34" charset="-120"/>
@@ -5259,37 +5296,30 @@
                 <a:latin typeface="微軟正黑體" panose="020B0604030504040204" pitchFamily="34" charset="-120"/>
                 <a:ea typeface="微軟正黑體" panose="020B0604030504040204" pitchFamily="34" charset="-120"/>
               </a:rPr>
-              <a:t>轉</a:t>
-            </a:r>
-            <a:r>
-              <a:rPr lang="zh-TW" altLang="en-US" sz="4000" dirty="0" smtClean="0">
-                <a:latin typeface="微軟正黑體" panose="020B0604030504040204" pitchFamily="34" charset="-120"/>
-                <a:ea typeface="微軟正黑體" panose="020B0604030504040204" pitchFamily="34" charset="-120"/>
-              </a:rPr>
-              <a:t>灰階圖</a:t>
-            </a:r>
-            <a:r>
-              <a:rPr lang="en-US" altLang="zh-TW" sz="4000" dirty="0" smtClean="0">
+              <a:t>轉灰階圖</a:t>
+            </a:r>
+            <a:r>
+              <a:rPr lang="en-US" altLang="zh-TW" sz="4000" dirty="0">
                 <a:latin typeface="微軟正黑體" panose="020B0604030504040204" pitchFamily="34" charset="-120"/>
                 <a:ea typeface="微軟正黑體" panose="020B0604030504040204" pitchFamily="34" charset="-120"/>
               </a:rPr>
               <a:t>(GRAY)</a:t>
             </a:r>
             <a:r>
-              <a:rPr lang="en-US" altLang="zh-TW" sz="3600" dirty="0" smtClean="0">
+              <a:rPr lang="en-US" altLang="zh-TW" sz="3600" dirty="0">
                 <a:latin typeface="微軟正黑體" panose="020B0604030504040204" pitchFamily="34" charset="-120"/>
                 <a:ea typeface="微軟正黑體" panose="020B0604030504040204" pitchFamily="34" charset="-120"/>
               </a:rPr>
               <a:t/>
             </a:r>
             <a:br>
-              <a:rPr lang="en-US" altLang="zh-TW" sz="3600" dirty="0" smtClean="0">
+              <a:rPr lang="en-US" altLang="zh-TW" sz="3600" dirty="0">
                 <a:latin typeface="微軟正黑體" panose="020B0604030504040204" pitchFamily="34" charset="-120"/>
                 <a:ea typeface="微軟正黑體" panose="020B0604030504040204" pitchFamily="34" charset="-120"/>
               </a:rPr>
             </a:br>
             <a:r>
-              <a:rPr lang="en-US" altLang="zh-TW" sz="3600" dirty="0" err="1" smtClean="0">
+              <a:rPr lang="en-US" altLang="zh-TW" sz="3600" dirty="0" err="1">
                 <a:ea typeface="微軟正黑體" panose="020B0604030504040204" pitchFamily="34" charset="-120"/>
               </a:rPr>
               <a:t>img_gray</a:t>
@@ -5397,7 +5427,7 @@
           <a:lstStyle/>
           <a:p>
             <a:r>
-              <a:rPr lang="zh-TW" altLang="en-US" sz="4000" dirty="0" smtClean="0">
+              <a:rPr lang="zh-TW" altLang="en-US" sz="4000" dirty="0">
                 <a:solidFill>
                   <a:prstClr val="black"/>
                 </a:solidFill>
@@ -5407,7 +5437,7 @@
               <a:t>轉 </a:t>
             </a:r>
             <a:r>
-              <a:rPr lang="en-US" altLang="zh-TW" sz="4000" dirty="0" err="1" smtClean="0">
+              <a:rPr lang="en-US" altLang="zh-TW" sz="4000" dirty="0" err="1">
                 <a:solidFill>
                   <a:prstClr val="black"/>
                 </a:solidFill>
@@ -5417,7 +5447,7 @@
               <a:t>YCrCb</a:t>
             </a:r>
             <a:r>
-              <a:rPr lang="en-US" altLang="zh-TW" sz="3600" dirty="0" smtClean="0">
+              <a:rPr lang="en-US" altLang="zh-TW" sz="3600" dirty="0">
                 <a:solidFill>
                   <a:prstClr val="black"/>
                 </a:solidFill>
@@ -5427,7 +5457,7 @@
               <a:t/>
             </a:r>
             <a:br>
-              <a:rPr lang="en-US" altLang="zh-TW" sz="3600" dirty="0" smtClean="0">
+              <a:rPr lang="en-US" altLang="zh-TW" sz="3600" dirty="0">
                 <a:solidFill>
                   <a:prstClr val="black"/>
                 </a:solidFill>
@@ -5436,7 +5466,7 @@
               </a:rPr>
             </a:br>
             <a:r>
-              <a:rPr lang="en-US" altLang="zh-TW" dirty="0" err="1" smtClean="0"/>
+              <a:rPr lang="en-US" altLang="zh-TW" dirty="0" err="1"/>
               <a:t>img_ycrcb</a:t>
             </a:r>
             <a:r>
@@ -5449,13 +5479,8 @@
             </a:r>
             <a:r>
               <a:rPr lang="en-US" altLang="zh-TW" dirty="0"/>
-              <a:t>, </a:t>
-            </a:r>
-            <a:r>
-              <a:rPr lang="en-US" altLang="zh-TW" dirty="0" smtClean="0"/>
-              <a:t>cv2.COLOR_BGR2YCrCb)</a:t>
-            </a:r>
-            <a:endParaRPr lang="en-US" altLang="zh-TW" dirty="0"/>
+              <a:t>, cv2.COLOR_BGR2YCrCb)</a:t>
+            </a:r>
           </a:p>
         </p:txBody>
       </p:sp>
@@ -5565,7 +5590,7 @@
           <a:lstStyle/>
           <a:p>
             <a:r>
-              <a:rPr lang="zh-TW" altLang="en-US" sz="4000" dirty="0" smtClean="0">
+              <a:rPr lang="zh-TW" altLang="en-US" sz="4000" dirty="0">
                 <a:solidFill>
                   <a:prstClr val="black"/>
                 </a:solidFill>
@@ -5575,7 +5600,7 @@
               <a:t>轉 </a:t>
             </a:r>
             <a:r>
-              <a:rPr lang="en-US" altLang="zh-TW" sz="4000" dirty="0" smtClean="0">
+              <a:rPr lang="en-US" altLang="zh-TW" sz="4000" dirty="0">
                 <a:solidFill>
                   <a:prstClr val="black"/>
                 </a:solidFill>
@@ -5585,7 +5610,7 @@
               <a:t>HSV</a:t>
             </a:r>
             <a:r>
-              <a:rPr lang="en-US" altLang="zh-TW" sz="3600" dirty="0" smtClean="0">
+              <a:rPr lang="en-US" altLang="zh-TW" sz="3600" dirty="0">
                 <a:solidFill>
                   <a:prstClr val="black"/>
                 </a:solidFill>
@@ -5595,7 +5620,7 @@
               <a:t/>
             </a:r>
             <a:br>
-              <a:rPr lang="en-US" altLang="zh-TW" sz="3600" dirty="0" smtClean="0">
+              <a:rPr lang="en-US" altLang="zh-TW" sz="3600" dirty="0">
                 <a:solidFill>
                   <a:prstClr val="black"/>
                 </a:solidFill>
@@ -5604,7 +5629,7 @@
               </a:rPr>
             </a:br>
             <a:r>
-              <a:rPr lang="en-US" altLang="zh-TW" dirty="0" err="1" smtClean="0"/>
+              <a:rPr lang="en-US" altLang="zh-TW" dirty="0" err="1"/>
               <a:t>img_hsv</a:t>
             </a:r>
             <a:r>
@@ -5617,13 +5642,8 @@
             </a:r>
             <a:r>
               <a:rPr lang="en-US" altLang="zh-TW" dirty="0"/>
-              <a:t>, </a:t>
-            </a:r>
-            <a:r>
-              <a:rPr lang="en-US" altLang="zh-TW" dirty="0" smtClean="0"/>
-              <a:t>cv2.COLOR_BGR2HSV)</a:t>
-            </a:r>
-            <a:endParaRPr lang="en-US" altLang="zh-TW" dirty="0"/>
+              <a:t>, cv2.COLOR_BGR2HSV)</a:t>
+            </a:r>
           </a:p>
         </p:txBody>
       </p:sp>
@@ -5673,30 +5693,26 @@
           <a:lstStyle/>
           <a:p>
             <a:r>
-              <a:rPr lang="zh-TW" altLang="en-US" dirty="0" smtClean="0">
+              <a:rPr lang="zh-TW" altLang="en-US" dirty="0">
                 <a:latin typeface="微軟正黑體" panose="020B0604030504040204" pitchFamily="34" charset="-120"/>
                 <a:ea typeface="微軟正黑體" panose="020B0604030504040204" pitchFamily="34" charset="-120"/>
               </a:rPr>
               <a:t>轉</a:t>
             </a:r>
             <a:r>
-              <a:rPr lang="en-US" altLang="zh-TW" dirty="0" smtClean="0">
+              <a:rPr lang="en-US" altLang="zh-TW" dirty="0">
                 <a:latin typeface="微軟正黑體" panose="020B0604030504040204" pitchFamily="34" charset="-120"/>
                 <a:ea typeface="微軟正黑體" panose="020B0604030504040204" pitchFamily="34" charset="-120"/>
               </a:rPr>
               <a:t>R, G, B</a:t>
             </a:r>
             <a:r>
-              <a:rPr lang="zh-TW" altLang="en-US" dirty="0" smtClean="0">
+              <a:rPr lang="zh-TW" altLang="en-US" dirty="0">
                 <a:latin typeface="微軟正黑體" panose="020B0604030504040204" pitchFamily="34" charset="-120"/>
                 <a:ea typeface="微軟正黑體" panose="020B0604030504040204" pitchFamily="34" charset="-120"/>
               </a:rPr>
               <a:t> 三種色彩通道</a:t>
             </a:r>
-            <a:endParaRPr lang="zh-TW" altLang="en-US" dirty="0">
-              <a:latin typeface="微軟正黑體" panose="020B0604030504040204" pitchFamily="34" charset="-120"/>
-              <a:ea typeface="微軟正黑體" panose="020B0604030504040204" pitchFamily="34" charset="-120"/>
-            </a:endParaRPr>
           </a:p>
         </p:txBody>
       </p:sp>
@@ -5938,7 +5954,7 @@
           <a:lstStyle/>
           <a:p>
             <a:r>
-              <a:rPr lang="en-US" altLang="zh-TW" dirty="0" err="1" smtClean="0"/>
+              <a:rPr lang="en-US" altLang="zh-TW" dirty="0" err="1"/>
               <a:t>img_R</a:t>
             </a:r>
             <a:endParaRPr lang="zh-TW" altLang="en-US" dirty="0"/>
@@ -6020,7 +6036,7 @@
           <a:lstStyle/>
           <a:p>
             <a:r>
-              <a:rPr lang="en-US" altLang="zh-TW" dirty="0" err="1" smtClean="0"/>
+              <a:rPr lang="en-US" altLang="zh-TW" dirty="0" err="1"/>
               <a:t>img_G</a:t>
             </a:r>
             <a:endParaRPr lang="zh-TW" altLang="en-US" dirty="0"/>
